--- a/timeless-coach-corporate.pptx
+++ b/timeless-coach-corporate.pptx
@@ -10151,6 +10151,30 @@
           </a:p>
         </p:txBody>
       </p:sp>
+      <p:pic>
+        <p:nvPicPr>
+          <p:cNvPr id="12" name="Picture 11" descr="image.jpg"/>
+          <p:cNvPicPr>
+            <a:picLocks noChangeAspect="1"/>
+          </p:cNvPicPr>
+          <p:nvPr/>
+        </p:nvPicPr>
+        <p:blipFill>
+          <a:blip r:embed="rId2"/>
+          <a:stretch>
+            <a:fillRect/>
+          </a:stretch>
+        </p:blipFill>
+        <p:spPr>
+          <a:xfrm>
+            <a:off x="8686800" y="1645920"/>
+            <a:ext cx="2286000" cy="2834640"/>
+          </a:xfrm>
+          <a:prstGeom prst="rect">
+            <a:avLst/>
+          </a:prstGeom>
+        </p:spPr>
+      </p:pic>
     </p:spTree>
   </p:cSld>
   <p:clrMapOvr>

--- a/timeless-coach-corporate.pptx
+++ b/timeless-coach-corporate.pptx
@@ -4082,21 +4082,21 @@
         </p:nvSpPr>
         <p:spPr>
           <a:xfrm>
-            <a:off x="7315200" y="4645152"/>
-            <a:ext cx="1371600" cy="320040"/>
-          </a:xfrm>
-          <a:prstGeom prst="rect">
-            <a:avLst/>
-          </a:prstGeom>
-          <a:noFill/>
-        </p:spPr>
-        <p:txBody>
-          <a:bodyPr wrap="square">
-            <a:spAutoFit/>
-          </a:bodyPr>
-          <a:lstStyle/>
-          <a:p>
-            <a:pPr algn="r">
+            <a:off x="3657600" y="4645152"/>
+            <a:ext cx="1828800" cy="320040"/>
+          </a:xfrm>
+          <a:prstGeom prst="rect">
+            <a:avLst/>
+          </a:prstGeom>
+          <a:noFill/>
+        </p:spPr>
+        <p:txBody>
+          <a:bodyPr wrap="square">
+            <a:spAutoFit/>
+          </a:bodyPr>
+          <a:lstStyle/>
+          <a:p>
+            <a:pPr algn="ctr">
               <a:defRPr sz="900" b="0">
                 <a:solidFill>
                   <a:srgbClr val="94A3B8"/>
@@ -4132,7 +4132,7 @@
           </a:bodyPr>
           <a:lstStyle/>
           <a:p>
-            <a:pPr algn="l">
+            <a:pPr algn="r">
               <a:defRPr sz="900" b="1">
                 <a:solidFill>
                   <a:srgbClr val="94A3B8"/>
@@ -4334,21 +4334,21 @@
         </p:nvSpPr>
         <p:spPr>
           <a:xfrm>
-            <a:off x="7315200" y="4645152"/>
-            <a:ext cx="1371600" cy="320040"/>
-          </a:xfrm>
-          <a:prstGeom prst="rect">
-            <a:avLst/>
-          </a:prstGeom>
-          <a:noFill/>
-        </p:spPr>
-        <p:txBody>
-          <a:bodyPr wrap="square">
-            <a:spAutoFit/>
-          </a:bodyPr>
-          <a:lstStyle/>
-          <a:p>
-            <a:pPr algn="r">
+            <a:off x="3657600" y="4645152"/>
+            <a:ext cx="1828800" cy="320040"/>
+          </a:xfrm>
+          <a:prstGeom prst="rect">
+            <a:avLst/>
+          </a:prstGeom>
+          <a:noFill/>
+        </p:spPr>
+        <p:txBody>
+          <a:bodyPr wrap="square">
+            <a:spAutoFit/>
+          </a:bodyPr>
+          <a:lstStyle/>
+          <a:p>
+            <a:pPr algn="ctr">
               <a:defRPr sz="900" b="0">
                 <a:solidFill>
                   <a:srgbClr val="94A3B8"/>
@@ -4384,7 +4384,7 @@
           </a:bodyPr>
           <a:lstStyle/>
           <a:p>
-            <a:pPr algn="l">
+            <a:pPr algn="r">
               <a:defRPr sz="900" b="1">
                 <a:solidFill>
                   <a:srgbClr val="94A3B8"/>
@@ -4484,7 +4484,7 @@
           <a:noFill/>
         </p:spPr>
         <p:txBody>
-          <a:bodyPr wrap="square">
+          <a:bodyPr wrap="square" anchor="ctr">
             <a:spAutoFit/>
           </a:bodyPr>
           <a:lstStyle/>
@@ -5241,7 +5241,7 @@
           <a:noFill/>
         </p:spPr>
         <p:txBody>
-          <a:bodyPr wrap="square">
+          <a:bodyPr wrap="square" anchor="ctr">
             <a:spAutoFit/>
           </a:bodyPr>
           <a:lstStyle/>
@@ -6149,7 +6149,7 @@
           <a:noFill/>
         </p:spPr>
         <p:txBody>
-          <a:bodyPr wrap="square">
+          <a:bodyPr wrap="square" anchor="ctr">
             <a:spAutoFit/>
           </a:bodyPr>
           <a:lstStyle/>
@@ -7131,7 +7131,7 @@
           <a:noFill/>
         </p:spPr>
         <p:txBody>
-          <a:bodyPr wrap="square">
+          <a:bodyPr wrap="square" anchor="ctr">
             <a:spAutoFit/>
           </a:bodyPr>
           <a:lstStyle/>
@@ -7941,7 +7941,7 @@
           <a:noFill/>
         </p:spPr>
         <p:txBody>
-          <a:bodyPr wrap="square">
+          <a:bodyPr wrap="square" anchor="ctr">
             <a:spAutoFit/>
           </a:bodyPr>
           <a:lstStyle/>
@@ -9139,7 +9139,7 @@
           <a:noFill/>
         </p:spPr>
         <p:txBody>
-          <a:bodyPr wrap="square">
+          <a:bodyPr wrap="square" anchor="ctr">
             <a:spAutoFit/>
           </a:bodyPr>
           <a:lstStyle/>
@@ -10056,7 +10056,7 @@
           <a:noFill/>
         </p:spPr>
         <p:txBody>
-          <a:bodyPr wrap="square">
+          <a:bodyPr wrap="square" anchor="ctr">
             <a:spAutoFit/>
           </a:bodyPr>
           <a:lstStyle/>
@@ -10794,7 +10794,7 @@
           <a:noFill/>
         </p:spPr>
         <p:txBody>
-          <a:bodyPr wrap="square">
+          <a:bodyPr wrap="square" anchor="ctr">
             <a:spAutoFit/>
           </a:bodyPr>
           <a:lstStyle/>

--- a/timeless-coach-corporate.pptx
+++ b/timeless-coach-corporate.pptx
@@ -11,6 +11,12 @@
     <p:sldId id="259" r:id="rId10"/>
     <p:sldId id="260" r:id="rId11"/>
     <p:sldId id="261" r:id="rId12"/>
+    <p:sldId id="267" r:id="rId18"/>
+    <p:sldId id="268" r:id="rId19"/>
+    <p:sldId id="269" r:id="rId20"/>
+    <p:sldId id="270" r:id="rId21"/>
+    <p:sldId id="271" r:id="rId22"/>
+    <p:sldId id="272" r:id="rId23"/>
     <p:sldId id="262" r:id="rId13"/>
     <p:sldId id="263" r:id="rId14"/>
     <p:sldId id="264" r:id="rId15"/>
@@ -4141,7 +4147,7 @@
               </a:defRPr>
             </a:pPr>
             <a:r>
-              <a:t>10</a:t>
+              <a:t>16</a:t>
             </a:r>
           </a:p>
         </p:txBody>
@@ -4393,7 +4399,4501 @@
               </a:defRPr>
             </a:pPr>
             <a:r>
+              <a:t>17</a:t>
+            </a:r>
+          </a:p>
+        </p:txBody>
+      </p:sp>
+    </p:spTree>
+  </p:cSld>
+  <p:clrMapOvr>
+    <a:masterClrMapping/>
+  </p:clrMapOvr>
+</p:sld>
+</file>
+
+<file path=ppt/slides/slide12.xml><?xml version="1.0" encoding="utf-8"?>
+<p:sld xmlns:a="http://schemas.openxmlformats.org/drawingml/2006/main" xmlns:p="http://schemas.openxmlformats.org/presentationml/2006/main" xmlns:r="http://schemas.openxmlformats.org/officeDocument/2006/relationships">
+  <p:cSld>
+    <p:spTree>
+      <p:nvGrpSpPr>
+        <p:cNvPr id="1" name=""/>
+        <p:cNvGrpSpPr/>
+        <p:nvPr/>
+      </p:nvGrpSpPr>
+      <p:grpSpPr/>
+      <p:sp>
+        <p:nvSpPr>
+          <p:cNvPr id="2" name="Rectangle 1"/>
+          <p:cNvSpPr/>
+          <p:nvPr/>
+        </p:nvSpPr>
+        <p:spPr>
+          <a:xfrm>
+            <a:off x="0" y="0"/>
+            <a:ext cx="9144000" cy="594360"/>
+          </a:xfrm>
+          <a:prstGeom prst="rect">
+            <a:avLst/>
+          </a:prstGeom>
+          <a:solidFill>
+            <a:srgbClr val="1E293B"/>
+          </a:solidFill>
+          <a:ln>
+            <a:noFill/>
+          </a:ln>
+        </p:spPr>
+        <p:style>
+          <a:lnRef idx="1">
+            <a:schemeClr val="accent1"/>
+          </a:lnRef>
+          <a:fillRef idx="3">
+            <a:schemeClr val="accent1"/>
+          </a:fillRef>
+          <a:effectRef idx="2">
+            <a:schemeClr val="accent1"/>
+          </a:effectRef>
+          <a:fontRef idx="minor">
+            <a:schemeClr val="lt1"/>
+          </a:fontRef>
+        </p:style>
+        <p:txBody>
+          <a:bodyPr rtlCol="0" anchor="ctr"/>
+          <a:lstStyle/>
+          <a:p>
+            <a:pPr algn="ctr"/>
+          </a:p>
+        </p:txBody>
+      </p:sp>
+      <p:sp>
+        <p:nvSpPr>
+          <p:cNvPr id="3" name="TextBox 2"/>
+          <p:cNvSpPr txBox="1"/>
+          <p:nvPr/>
+        </p:nvSpPr>
+        <p:spPr>
+          <a:xfrm>
+            <a:off x="457200" y="0"/>
+            <a:ext cx="8229600" cy="594360"/>
+          </a:xfrm>
+          <a:prstGeom prst="rect">
+            <a:avLst/>
+          </a:prstGeom>
+          <a:noFill/>
+        </p:spPr>
+        <p:txBody>
+          <a:bodyPr wrap="square" anchor="ctr">
+            <a:spAutoFit/>
+          </a:bodyPr>
+          <a:lstStyle/>
+          <a:p>
+            <a:pPr algn="l">
+              <a:defRPr sz="1200" b="1">
+                <a:solidFill>
+                  <a:srgbClr val="FFFFFF"/>
+                </a:solidFill>
+                <a:latin typeface="IPAPGothic"/>
+                <a:ea typeface="IPAPGothic"/>
+              </a:defRPr>
+            </a:pPr>
+            <a:r>
+              <a:rPr sz="1200" b="1">
+                <a:solidFill>
+                  <a:srgbClr val="FFFFFF"/>
+                </a:solidFill>
+                <a:latin typeface="IPAPGothic"/>
+              </a:rPr>
+              <a:t>理念は額に飾るものではない。軸として永続化するものだ</a:t>
+            </a:r>
+          </a:p>
+        </p:txBody>
+      </p:sp>
+      <p:sp>
+        <p:nvSpPr>
+          <p:cNvPr id="4" name="TextBox 3"/>
+          <p:cNvSpPr txBox="1"/>
+          <p:nvPr/>
+        </p:nvSpPr>
+        <p:spPr>
+          <a:xfrm>
+            <a:off x="457200" y="731520"/>
+            <a:ext cx="4572000" cy="274320"/>
+          </a:xfrm>
+          <a:prstGeom prst="rect">
+            <a:avLst/>
+          </a:prstGeom>
+          <a:noFill/>
+        </p:spPr>
+        <p:txBody>
+          <a:bodyPr wrap="square" anchor="t">
+            <a:spAutoFit/>
+          </a:bodyPr>
+          <a:lstStyle/>
+          <a:p>
+            <a:pPr algn="l">
+              <a:defRPr sz="1000" b="1">
+                <a:solidFill>
+                  <a:srgbClr val="2563EB"/>
+                </a:solidFill>
+                <a:latin typeface="IPAPGothic"/>
+                <a:ea typeface="IPAPGothic"/>
+              </a:defRPr>
+            </a:pPr>
+            <a:r>
+              <a:rPr sz="1000" b="1">
+                <a:solidFill>
+                  <a:srgbClr val="2563EB"/>
+                </a:solidFill>
+                <a:latin typeface="IPAPGothic"/>
+              </a:rPr>
+              <a:t>FOR: 経営者研修・次世代リーダー育成</a:t>
+            </a:r>
+          </a:p>
+        </p:txBody>
+      </p:sp>
+      <p:sp>
+        <p:nvSpPr>
+          <p:cNvPr id="5" name="Rectangle 4"/>
+          <p:cNvSpPr/>
+          <p:nvPr/>
+        </p:nvSpPr>
+        <p:spPr>
+          <a:xfrm>
+            <a:off x="457200" y="1051560"/>
+            <a:ext cx="3931920" cy="3566160"/>
+          </a:xfrm>
+          <a:prstGeom prst="rect">
+            <a:avLst/>
+          </a:prstGeom>
+          <a:solidFill>
+            <a:srgbClr val="F8FAFC"/>
+          </a:solidFill>
+          <a:ln>
+            <a:noFill/>
+          </a:ln>
+        </p:spPr>
+        <p:style>
+          <a:lnRef idx="1">
+            <a:schemeClr val="accent1"/>
+          </a:lnRef>
+          <a:fillRef idx="3">
+            <a:schemeClr val="accent1"/>
+          </a:fillRef>
+          <a:effectRef idx="2">
+            <a:schemeClr val="accent1"/>
+          </a:effectRef>
+          <a:fontRef idx="minor">
+            <a:schemeClr val="lt1"/>
+          </a:fontRef>
+        </p:style>
+        <p:txBody>
+          <a:bodyPr rtlCol="0" anchor="ctr"/>
+          <a:lstStyle/>
+          <a:p>
+            <a:pPr algn="ctr"/>
+          </a:p>
+        </p:txBody>
+      </p:sp>
+      <p:sp>
+        <p:nvSpPr>
+          <p:cNvPr id="6" name="TextBox 5"/>
+          <p:cNvSpPr txBox="1"/>
+          <p:nvPr/>
+        </p:nvSpPr>
+        <p:spPr>
+          <a:xfrm>
+            <a:off x="594360" y="1143000"/>
+            <a:ext cx="3657600" cy="274320"/>
+          </a:xfrm>
+          <a:prstGeom prst="rect">
+            <a:avLst/>
+          </a:prstGeom>
+          <a:noFill/>
+        </p:spPr>
+        <p:txBody>
+          <a:bodyPr wrap="square" anchor="t">
+            <a:spAutoFit/>
+          </a:bodyPr>
+          <a:lstStyle/>
+          <a:p>
+            <a:pPr algn="l">
+              <a:defRPr sz="1100" b="1">
+                <a:solidFill>
+                  <a:srgbClr val="1E293B"/>
+                </a:solidFill>
+                <a:latin typeface="IPAPGothic"/>
+                <a:ea typeface="IPAPGothic"/>
+              </a:defRPr>
+            </a:pPr>
+            <a:r>
+              <a:rPr sz="1100" b="1">
+                <a:solidFill>
+                  <a:srgbClr val="1E293B"/>
+                </a:solidFill>
+                <a:latin typeface="IPAPGothic"/>
+              </a:rPr>
+              <a:t>この業界の課題</a:t>
+            </a:r>
+          </a:p>
+        </p:txBody>
+      </p:sp>
+      <p:sp>
+        <p:nvSpPr>
+          <p:cNvPr id="7" name="TextBox 6"/>
+          <p:cNvSpPr txBox="1"/>
+          <p:nvPr/>
+        </p:nvSpPr>
+        <p:spPr>
+          <a:xfrm>
+            <a:off x="594360" y="1554480"/>
+            <a:ext cx="3657600" cy="868680"/>
+          </a:xfrm>
+          <a:prstGeom prst="rect">
+            <a:avLst/>
+          </a:prstGeom>
+          <a:noFill/>
+        </p:spPr>
+        <p:txBody>
+          <a:bodyPr wrap="square" anchor="t">
+            <a:spAutoFit/>
+          </a:bodyPr>
+          <a:lstStyle/>
+          <a:p>
+            <a:pPr algn="l">
+              <a:defRPr sz="1000" b="0">
+                <a:solidFill>
+                  <a:srgbClr val="475569"/>
+                </a:solidFill>
+                <a:latin typeface="IPAPGothic"/>
+                <a:ea typeface="IPAPGothic"/>
+              </a:defRPr>
+            </a:pPr>
+            <a:r>
+              <a:rPr sz="1000" b="0">
+                <a:solidFill>
+                  <a:srgbClr val="475569"/>
+                </a:solidFill>
+                <a:latin typeface="IPAPGothic"/>
+              </a:rPr>
+              <a:t>• 経営理念が社内に浸透しない。額縁の中の言葉は、日常の判断基準にならない。</a:t>
+            </a:r>
+          </a:p>
+        </p:txBody>
+      </p:sp>
+      <p:sp>
+        <p:nvSpPr>
+          <p:cNvPr id="8" name="TextBox 7"/>
+          <p:cNvSpPr txBox="1"/>
+          <p:nvPr/>
+        </p:nvSpPr>
+        <p:spPr>
+          <a:xfrm>
+            <a:off x="594360" y="2514600"/>
+            <a:ext cx="3657600" cy="868680"/>
+          </a:xfrm>
+          <a:prstGeom prst="rect">
+            <a:avLst/>
+          </a:prstGeom>
+          <a:noFill/>
+        </p:spPr>
+        <p:txBody>
+          <a:bodyPr wrap="square" anchor="t">
+            <a:spAutoFit/>
+          </a:bodyPr>
+          <a:lstStyle/>
+          <a:p>
+            <a:pPr algn="l">
+              <a:defRPr sz="1000" b="0">
+                <a:solidFill>
+                  <a:srgbClr val="475569"/>
+                </a:solidFill>
+                <a:latin typeface="IPAPGothic"/>
+                <a:ea typeface="IPAPGothic"/>
+              </a:defRPr>
+            </a:pPr>
+            <a:r>
+              <a:rPr sz="1000" b="0">
+                <a:solidFill>
+                  <a:srgbClr val="475569"/>
+                </a:solidFill>
+                <a:latin typeface="IPAPGothic"/>
+              </a:rPr>
+              <a:t>• 次世代リーダーが「自分の軸」を持たないまま経営を引き継ぐ。意思決定がブレる。</a:t>
+            </a:r>
+          </a:p>
+        </p:txBody>
+      </p:sp>
+      <p:sp>
+        <p:nvSpPr>
+          <p:cNvPr id="9" name="TextBox 8"/>
+          <p:cNvSpPr txBox="1"/>
+          <p:nvPr/>
+        </p:nvSpPr>
+        <p:spPr>
+          <a:xfrm>
+            <a:off x="594360" y="3474720"/>
+            <a:ext cx="3657600" cy="868680"/>
+          </a:xfrm>
+          <a:prstGeom prst="rect">
+            <a:avLst/>
+          </a:prstGeom>
+          <a:noFill/>
+        </p:spPr>
+        <p:txBody>
+          <a:bodyPr wrap="square" anchor="t">
+            <a:spAutoFit/>
+          </a:bodyPr>
+          <a:lstStyle/>
+          <a:p>
+            <a:pPr algn="l">
+              <a:defRPr sz="1000" b="0">
+                <a:solidFill>
+                  <a:srgbClr val="475569"/>
+                </a:solidFill>
+                <a:latin typeface="IPAPGothic"/>
+                <a:ea typeface="IPAPGothic"/>
+              </a:defRPr>
+            </a:pPr>
+            <a:r>
+              <a:rPr sz="1000" b="0">
+                <a:solidFill>
+                  <a:srgbClr val="475569"/>
+                </a:solidFill>
+                <a:latin typeface="IPAPGothic"/>
+              </a:rPr>
+              <a:t>• 従来の研修は効果が数ヶ月で消える。行動変容が定着しない。</a:t>
+            </a:r>
+          </a:p>
+        </p:txBody>
+      </p:sp>
+      <p:sp>
+        <p:nvSpPr>
+          <p:cNvPr id="10" name="Rectangle 9"/>
+          <p:cNvSpPr/>
+          <p:nvPr/>
+        </p:nvSpPr>
+        <p:spPr>
+          <a:xfrm>
+            <a:off x="4754880" y="1051560"/>
+            <a:ext cx="3931920" cy="3566160"/>
+          </a:xfrm>
+          <a:prstGeom prst="rect">
+            <a:avLst/>
+          </a:prstGeom>
+          <a:solidFill>
+            <a:srgbClr val="F8FAFC"/>
+          </a:solidFill>
+          <a:ln>
+            <a:noFill/>
+          </a:ln>
+        </p:spPr>
+        <p:style>
+          <a:lnRef idx="1">
+            <a:schemeClr val="accent1"/>
+          </a:lnRef>
+          <a:fillRef idx="3">
+            <a:schemeClr val="accent1"/>
+          </a:fillRef>
+          <a:effectRef idx="2">
+            <a:schemeClr val="accent1"/>
+          </a:effectRef>
+          <a:fontRef idx="minor">
+            <a:schemeClr val="lt1"/>
+          </a:fontRef>
+        </p:style>
+        <p:txBody>
+          <a:bodyPr rtlCol="0" anchor="ctr"/>
+          <a:lstStyle/>
+          <a:p>
+            <a:pPr algn="ctr"/>
+          </a:p>
+        </p:txBody>
+      </p:sp>
+      <p:sp>
+        <p:nvSpPr>
+          <p:cNvPr id="11" name="TextBox 10"/>
+          <p:cNvSpPr txBox="1"/>
+          <p:nvPr/>
+        </p:nvSpPr>
+        <p:spPr>
+          <a:xfrm>
+            <a:off x="4892040" y="1143000"/>
+            <a:ext cx="3657600" cy="274320"/>
+          </a:xfrm>
+          <a:prstGeom prst="rect">
+            <a:avLst/>
+          </a:prstGeom>
+          <a:noFill/>
+        </p:spPr>
+        <p:txBody>
+          <a:bodyPr wrap="square" anchor="t">
+            <a:spAutoFit/>
+          </a:bodyPr>
+          <a:lstStyle/>
+          <a:p>
+            <a:pPr algn="l">
+              <a:defRPr sz="1100" b="1">
+                <a:solidFill>
+                  <a:srgbClr val="1E293B"/>
+                </a:solidFill>
+                <a:latin typeface="IPAPGothic"/>
+                <a:ea typeface="IPAPGothic"/>
+              </a:defRPr>
+            </a:pPr>
+            <a:r>
+              <a:rPr sz="1100" b="1">
+                <a:solidFill>
+                  <a:srgbClr val="1E293B"/>
+                </a:solidFill>
+                <a:latin typeface="IPAPGothic"/>
+              </a:rPr>
+              <a:t>このプログラムで実現すること</a:t>
+            </a:r>
+          </a:p>
+        </p:txBody>
+      </p:sp>
+      <p:sp>
+        <p:nvSpPr>
+          <p:cNvPr id="12" name="TextBox 11"/>
+          <p:cNvSpPr txBox="1"/>
+          <p:nvPr/>
+        </p:nvSpPr>
+        <p:spPr>
+          <a:xfrm>
+            <a:off x="4892040" y="1554480"/>
+            <a:ext cx="3657600" cy="868680"/>
+          </a:xfrm>
+          <a:prstGeom prst="rect">
+            <a:avLst/>
+          </a:prstGeom>
+          <a:noFill/>
+        </p:spPr>
+        <p:txBody>
+          <a:bodyPr wrap="square" anchor="t">
+            <a:spAutoFit/>
+          </a:bodyPr>
+          <a:lstStyle/>
+          <a:p>
+            <a:pPr algn="l">
+              <a:defRPr sz="1000" b="0">
+                <a:solidFill>
+                  <a:srgbClr val="475569"/>
+                </a:solidFill>
+                <a:latin typeface="IPAPGothic"/>
+                <a:ea typeface="IPAPGothic"/>
+              </a:defRPr>
+            </a:pPr>
+            <a:r>
+              <a:rPr sz="1000" b="0">
+                <a:solidFill>
+                  <a:srgbClr val="475569"/>
+                </a:solidFill>
+                <a:latin typeface="IPAPGothic"/>
+              </a:rPr>
+              <a:t>• 経営者自身の軸を言語化し、三層に永続化。消えないから、判断基準として機能し続ける。</a:t>
+            </a:r>
+          </a:p>
+        </p:txBody>
+      </p:sp>
+      <p:sp>
+        <p:nvSpPr>
+          <p:cNvPr id="13" name="TextBox 12"/>
+          <p:cNvSpPr txBox="1"/>
+          <p:nvPr/>
+        </p:nvSpPr>
+        <p:spPr>
+          <a:xfrm>
+            <a:off x="4892040" y="2514600"/>
+            <a:ext cx="3657600" cy="868680"/>
+          </a:xfrm>
+          <a:prstGeom prst="rect">
+            <a:avLst/>
+          </a:prstGeom>
+          <a:noFill/>
+        </p:spPr>
+        <p:txBody>
+          <a:bodyPr wrap="square" anchor="t">
+            <a:spAutoFit/>
+          </a:bodyPr>
+          <a:lstStyle/>
+          <a:p>
+            <a:pPr algn="l">
+              <a:defRPr sz="1000" b="0">
+                <a:solidFill>
+                  <a:srgbClr val="475569"/>
+                </a:solidFill>
+                <a:latin typeface="IPAPGothic"/>
+                <a:ea typeface="IPAPGothic"/>
+              </a:defRPr>
+            </a:pPr>
+            <a:r>
+              <a:rPr sz="1000" b="0">
+                <a:solidFill>
+                  <a:srgbClr val="475569"/>
+                </a:solidFill>
+                <a:latin typeface="IPAPGothic"/>
+              </a:rPr>
+              <a:t>• 幹部全員がコーチ認定され、「問い」で理念を伝えられるようになる。教えるのではなく、問う。</a:t>
+            </a:r>
+          </a:p>
+        </p:txBody>
+      </p:sp>
+      <p:sp>
+        <p:nvSpPr>
+          <p:cNvPr id="14" name="TextBox 13"/>
+          <p:cNvSpPr txBox="1"/>
+          <p:nvPr/>
+        </p:nvSpPr>
+        <p:spPr>
+          <a:xfrm>
+            <a:off x="4892040" y="3474720"/>
+            <a:ext cx="3657600" cy="868680"/>
+          </a:xfrm>
+          <a:prstGeom prst="rect">
+            <a:avLst/>
+          </a:prstGeom>
+          <a:noFill/>
+        </p:spPr>
+        <p:txBody>
+          <a:bodyPr wrap="square" anchor="t">
+            <a:spAutoFit/>
+          </a:bodyPr>
+          <a:lstStyle/>
+          <a:p>
+            <a:pPr algn="l">
+              <a:defRPr sz="1000" b="0">
+                <a:solidFill>
+                  <a:srgbClr val="475569"/>
+                </a:solidFill>
+                <a:latin typeface="IPAPGothic"/>
+                <a:ea typeface="IPAPGothic"/>
+              </a:defRPr>
+            </a:pPr>
+            <a:r>
+              <a:rPr sz="1000" b="0">
+                <a:solidFill>
+                  <a:srgbClr val="475569"/>
+                </a:solidFill>
+                <a:latin typeface="IPAPGothic"/>
+              </a:rPr>
+              <a:t>• 個人の軸と組織の理念が交差するポイントを発見。理念が「自分ごと」になる。</a:t>
+            </a:r>
+          </a:p>
+        </p:txBody>
+      </p:sp>
+      <p:sp>
+        <p:nvSpPr>
+          <p:cNvPr id="15" name="Rectangle 14"/>
+          <p:cNvSpPr/>
+          <p:nvPr/>
+        </p:nvSpPr>
+        <p:spPr>
+          <a:xfrm>
+            <a:off x="0" y="4800600"/>
+            <a:ext cx="9144000" cy="9144"/>
+          </a:xfrm>
+          <a:prstGeom prst="rect">
+            <a:avLst/>
+          </a:prstGeom>
+          <a:solidFill>
+            <a:srgbClr val="94A3B8"/>
+          </a:solidFill>
+          <a:ln>
+            <a:noFill/>
+          </a:ln>
+        </p:spPr>
+        <p:style>
+          <a:lnRef idx="1">
+            <a:schemeClr val="accent1"/>
+          </a:lnRef>
+          <a:fillRef idx="3">
+            <a:schemeClr val="accent1"/>
+          </a:fillRef>
+          <a:effectRef idx="2">
+            <a:schemeClr val="accent1"/>
+          </a:effectRef>
+          <a:fontRef idx="minor">
+            <a:schemeClr val="lt1"/>
+          </a:fontRef>
+        </p:style>
+        <p:txBody>
+          <a:bodyPr rtlCol="0" anchor="ctr"/>
+          <a:lstStyle/>
+          <a:p>
+            <a:pPr algn="ctr"/>
+          </a:p>
+        </p:txBody>
+      </p:sp>
+      <p:sp>
+        <p:nvSpPr>
+          <p:cNvPr id="16" name="TextBox 15"/>
+          <p:cNvSpPr txBox="1"/>
+          <p:nvPr/>
+        </p:nvSpPr>
+        <p:spPr>
+          <a:xfrm>
+            <a:off x="457200" y="4818888"/>
+            <a:ext cx="3657600" cy="274320"/>
+          </a:xfrm>
+          <a:prstGeom prst="rect">
+            <a:avLst/>
+          </a:prstGeom>
+          <a:noFill/>
+        </p:spPr>
+        <p:txBody>
+          <a:bodyPr wrap="square" anchor="t">
+            <a:spAutoFit/>
+          </a:bodyPr>
+          <a:lstStyle/>
+          <a:p>
+            <a:pPr algn="l">
+              <a:defRPr sz="900" b="0">
+                <a:solidFill>
+                  <a:srgbClr val="94A3B8"/>
+                </a:solidFill>
+                <a:latin typeface="IPAPGothic"/>
+                <a:ea typeface="IPAPGothic"/>
+              </a:defRPr>
+            </a:pPr>
+            <a:r>
+              <a:rPr sz="900" b="0">
+                <a:solidFill>
+                  <a:srgbClr val="94A3B8"/>
+                </a:solidFill>
+                <a:latin typeface="IPAPGothic"/>
+              </a:rPr>
+              <a:t>Timeless Coach — 企業・団体導入</a:t>
+            </a:r>
+          </a:p>
+        </p:txBody>
+      </p:sp>
+      <p:sp>
+        <p:nvSpPr>
+          <p:cNvPr id="17" name="TextBox 16"/>
+          <p:cNvSpPr txBox="1"/>
+          <p:nvPr/>
+        </p:nvSpPr>
+        <p:spPr>
+          <a:xfrm>
+            <a:off x="3657600" y="4818888"/>
+            <a:ext cx="1828800" cy="274320"/>
+          </a:xfrm>
+          <a:prstGeom prst="rect">
+            <a:avLst/>
+          </a:prstGeom>
+          <a:noFill/>
+        </p:spPr>
+        <p:txBody>
+          <a:bodyPr wrap="square" anchor="t">
+            <a:spAutoFit/>
+          </a:bodyPr>
+          <a:lstStyle/>
+          <a:p>
+            <a:pPr algn="ctr">
+              <a:defRPr sz="900" b="0">
+                <a:solidFill>
+                  <a:srgbClr val="94A3B8"/>
+                </a:solidFill>
+                <a:latin typeface="IPAPGothic"/>
+                <a:ea typeface="IPAPGothic"/>
+              </a:defRPr>
+            </a:pPr>
+            <a:r>
+              <a:rPr sz="900" b="0">
+                <a:solidFill>
+                  <a:srgbClr val="94A3B8"/>
+                </a:solidFill>
+                <a:latin typeface="IPAPGothic"/>
+              </a:rPr>
+              <a:t>Confidential</a:t>
+            </a:r>
+          </a:p>
+        </p:txBody>
+      </p:sp>
+      <p:sp>
+        <p:nvSpPr>
+          <p:cNvPr id="18" name="TextBox 17"/>
+          <p:cNvSpPr txBox="1"/>
+          <p:nvPr/>
+        </p:nvSpPr>
+        <p:spPr>
+          <a:xfrm>
+            <a:off x="8229600" y="4818888"/>
+            <a:ext cx="457200" cy="274320"/>
+          </a:xfrm>
+          <a:prstGeom prst="rect">
+            <a:avLst/>
+          </a:prstGeom>
+          <a:noFill/>
+        </p:spPr>
+        <p:txBody>
+          <a:bodyPr wrap="square" anchor="t">
+            <a:spAutoFit/>
+          </a:bodyPr>
+          <a:lstStyle/>
+          <a:p>
+            <a:pPr algn="r">
+              <a:defRPr sz="900" b="1">
+                <a:solidFill>
+                  <a:srgbClr val="94A3B8"/>
+                </a:solidFill>
+                <a:latin typeface="IPAPGothic"/>
+                <a:ea typeface="IPAPGothic"/>
+              </a:defRPr>
+            </a:pPr>
+            <a:r>
+              <a:rPr sz="900" b="1">
+                <a:solidFill>
+                  <a:srgbClr val="94A3B8"/>
+                </a:solidFill>
+                <a:latin typeface="IPAPGothic"/>
+              </a:rPr>
+              <a:t>7</a:t>
+            </a:r>
+          </a:p>
+        </p:txBody>
+      </p:sp>
+    </p:spTree>
+  </p:cSld>
+  <p:clrMapOvr>
+    <a:masterClrMapping/>
+  </p:clrMapOvr>
+</p:sld>
+</file>
+
+<file path=ppt/slides/slide13.xml><?xml version="1.0" encoding="utf-8"?>
+<p:sld xmlns:a="http://schemas.openxmlformats.org/drawingml/2006/main" xmlns:p="http://schemas.openxmlformats.org/presentationml/2006/main" xmlns:r="http://schemas.openxmlformats.org/officeDocument/2006/relationships">
+  <p:cSld>
+    <p:spTree>
+      <p:nvGrpSpPr>
+        <p:cNvPr id="1" name=""/>
+        <p:cNvGrpSpPr/>
+        <p:nvPr/>
+      </p:nvGrpSpPr>
+      <p:grpSpPr/>
+      <p:sp>
+        <p:nvSpPr>
+          <p:cNvPr id="2" name="Rectangle 1"/>
+          <p:cNvSpPr/>
+          <p:nvPr/>
+        </p:nvSpPr>
+        <p:spPr>
+          <a:xfrm>
+            <a:off x="0" y="0"/>
+            <a:ext cx="9144000" cy="594360"/>
+          </a:xfrm>
+          <a:prstGeom prst="rect">
+            <a:avLst/>
+          </a:prstGeom>
+          <a:solidFill>
+            <a:srgbClr val="1E293B"/>
+          </a:solidFill>
+          <a:ln>
+            <a:noFill/>
+          </a:ln>
+        </p:spPr>
+        <p:style>
+          <a:lnRef idx="1">
+            <a:schemeClr val="accent1"/>
+          </a:lnRef>
+          <a:fillRef idx="3">
+            <a:schemeClr val="accent1"/>
+          </a:fillRef>
+          <a:effectRef idx="2">
+            <a:schemeClr val="accent1"/>
+          </a:effectRef>
+          <a:fontRef idx="minor">
+            <a:schemeClr val="lt1"/>
+          </a:fontRef>
+        </p:style>
+        <p:txBody>
+          <a:bodyPr rtlCol="0" anchor="ctr"/>
+          <a:lstStyle/>
+          <a:p>
+            <a:pPr algn="ctr"/>
+          </a:p>
+        </p:txBody>
+      </p:sp>
+      <p:sp>
+        <p:nvSpPr>
+          <p:cNvPr id="3" name="TextBox 2"/>
+          <p:cNvSpPr txBox="1"/>
+          <p:nvPr/>
+        </p:nvSpPr>
+        <p:spPr>
+          <a:xfrm>
+            <a:off x="457200" y="0"/>
+            <a:ext cx="8229600" cy="594360"/>
+          </a:xfrm>
+          <a:prstGeom prst="rect">
+            <a:avLst/>
+          </a:prstGeom>
+          <a:noFill/>
+        </p:spPr>
+        <p:txBody>
+          <a:bodyPr wrap="square" anchor="ctr">
+            <a:spAutoFit/>
+          </a:bodyPr>
+          <a:lstStyle/>
+          <a:p>
+            <a:pPr algn="l">
+              <a:defRPr sz="1200" b="1">
+                <a:solidFill>
+                  <a:srgbClr val="FFFFFF"/>
+                </a:solidFill>
+                <a:latin typeface="IPAPGothic"/>
+                <a:ea typeface="IPAPGothic"/>
+              </a:defRPr>
+            </a:pPr>
+            <a:r>
+              <a:rPr sz="1200" b="1">
+                <a:solidFill>
+                  <a:srgbClr val="FFFFFF"/>
+                </a:solidFill>
+                <a:latin typeface="IPAPGothic"/>
+              </a:rPr>
+              <a:t>財産の継承だけでは、人は迷い続ける</a:t>
+            </a:r>
+          </a:p>
+        </p:txBody>
+      </p:sp>
+      <p:sp>
+        <p:nvSpPr>
+          <p:cNvPr id="4" name="TextBox 3"/>
+          <p:cNvSpPr txBox="1"/>
+          <p:nvPr/>
+        </p:nvSpPr>
+        <p:spPr>
+          <a:xfrm>
+            <a:off x="457200" y="731520"/>
+            <a:ext cx="4572000" cy="274320"/>
+          </a:xfrm>
+          <a:prstGeom prst="rect">
+            <a:avLst/>
+          </a:prstGeom>
+          <a:noFill/>
+        </p:spPr>
+        <p:txBody>
+          <a:bodyPr wrap="square" anchor="t">
+            <a:spAutoFit/>
+          </a:bodyPr>
+          <a:lstStyle/>
+          <a:p>
+            <a:pPr algn="l">
+              <a:defRPr sz="1000" b="1">
+                <a:solidFill>
+                  <a:srgbClr val="2563EB"/>
+                </a:solidFill>
+                <a:latin typeface="IPAPGothic"/>
+                <a:ea typeface="IPAPGothic"/>
+              </a:defRPr>
+            </a:pPr>
+            <a:r>
+              <a:rPr sz="1000" b="1">
+                <a:solidFill>
+                  <a:srgbClr val="2563EB"/>
+                </a:solidFill>
+                <a:latin typeface="IPAPGothic"/>
+              </a:rPr>
+              <a:t>FOR: 士業・コンサルティングファーム</a:t>
+            </a:r>
+          </a:p>
+        </p:txBody>
+      </p:sp>
+      <p:sp>
+        <p:nvSpPr>
+          <p:cNvPr id="5" name="Rectangle 4"/>
+          <p:cNvSpPr/>
+          <p:nvPr/>
+        </p:nvSpPr>
+        <p:spPr>
+          <a:xfrm>
+            <a:off x="457200" y="1051560"/>
+            <a:ext cx="3931920" cy="3566160"/>
+          </a:xfrm>
+          <a:prstGeom prst="rect">
+            <a:avLst/>
+          </a:prstGeom>
+          <a:solidFill>
+            <a:srgbClr val="F8FAFC"/>
+          </a:solidFill>
+          <a:ln>
+            <a:noFill/>
+          </a:ln>
+        </p:spPr>
+        <p:style>
+          <a:lnRef idx="1">
+            <a:schemeClr val="accent1"/>
+          </a:lnRef>
+          <a:fillRef idx="3">
+            <a:schemeClr val="accent1"/>
+          </a:fillRef>
+          <a:effectRef idx="2">
+            <a:schemeClr val="accent1"/>
+          </a:effectRef>
+          <a:fontRef idx="minor">
+            <a:schemeClr val="lt1"/>
+          </a:fontRef>
+        </p:style>
+        <p:txBody>
+          <a:bodyPr rtlCol="0" anchor="ctr"/>
+          <a:lstStyle/>
+          <a:p>
+            <a:pPr algn="ctr"/>
+          </a:p>
+        </p:txBody>
+      </p:sp>
+      <p:sp>
+        <p:nvSpPr>
+          <p:cNvPr id="6" name="TextBox 5"/>
+          <p:cNvSpPr txBox="1"/>
+          <p:nvPr/>
+        </p:nvSpPr>
+        <p:spPr>
+          <a:xfrm>
+            <a:off x="594360" y="1143000"/>
+            <a:ext cx="3657600" cy="274320"/>
+          </a:xfrm>
+          <a:prstGeom prst="rect">
+            <a:avLst/>
+          </a:prstGeom>
+          <a:noFill/>
+        </p:spPr>
+        <p:txBody>
+          <a:bodyPr wrap="square" anchor="t">
+            <a:spAutoFit/>
+          </a:bodyPr>
+          <a:lstStyle/>
+          <a:p>
+            <a:pPr algn="l">
+              <a:defRPr sz="1100" b="1">
+                <a:solidFill>
+                  <a:srgbClr val="1E293B"/>
+                </a:solidFill>
+                <a:latin typeface="IPAPGothic"/>
+                <a:ea typeface="IPAPGothic"/>
+              </a:defRPr>
+            </a:pPr>
+            <a:r>
+              <a:rPr sz="1100" b="1">
+                <a:solidFill>
+                  <a:srgbClr val="1E293B"/>
+                </a:solidFill>
+                <a:latin typeface="IPAPGothic"/>
+              </a:rPr>
+              <a:t>この業界の課題</a:t>
+            </a:r>
+          </a:p>
+        </p:txBody>
+      </p:sp>
+      <p:sp>
+        <p:nvSpPr>
+          <p:cNvPr id="7" name="TextBox 6"/>
+          <p:cNvSpPr txBox="1"/>
+          <p:nvPr/>
+        </p:nvSpPr>
+        <p:spPr>
+          <a:xfrm>
+            <a:off x="594360" y="1554480"/>
+            <a:ext cx="3657600" cy="868680"/>
+          </a:xfrm>
+          <a:prstGeom prst="rect">
+            <a:avLst/>
+          </a:prstGeom>
+          <a:noFill/>
+        </p:spPr>
+        <p:txBody>
+          <a:bodyPr wrap="square" anchor="t">
+            <a:spAutoFit/>
+          </a:bodyPr>
+          <a:lstStyle/>
+          <a:p>
+            <a:pPr algn="l">
+              <a:defRPr sz="1000" b="0">
+                <a:solidFill>
+                  <a:srgbClr val="475569"/>
+                </a:solidFill>
+                <a:latin typeface="IPAPGothic"/>
+                <a:ea typeface="IPAPGothic"/>
+              </a:defRPr>
+            </a:pPr>
+            <a:r>
+              <a:rPr sz="1000" b="0">
+                <a:solidFill>
+                  <a:srgbClr val="475569"/>
+                </a:solidFill>
+                <a:latin typeface="IPAPGothic"/>
+              </a:rPr>
+              <a:t>• 顧問先への提供価値が「手続き・書類」に留まっている。AIで代替されるリスク。</a:t>
+            </a:r>
+          </a:p>
+        </p:txBody>
+      </p:sp>
+      <p:sp>
+        <p:nvSpPr>
+          <p:cNvPr id="8" name="TextBox 7"/>
+          <p:cNvSpPr txBox="1"/>
+          <p:nvPr/>
+        </p:nvSpPr>
+        <p:spPr>
+          <a:xfrm>
+            <a:off x="594360" y="2514600"/>
+            <a:ext cx="3657600" cy="868680"/>
+          </a:xfrm>
+          <a:prstGeom prst="rect">
+            <a:avLst/>
+          </a:prstGeom>
+          <a:noFill/>
+        </p:spPr>
+        <p:txBody>
+          <a:bodyPr wrap="square" anchor="t">
+            <a:spAutoFit/>
+          </a:bodyPr>
+          <a:lstStyle/>
+          <a:p>
+            <a:pPr algn="l">
+              <a:defRPr sz="1000" b="0">
+                <a:solidFill>
+                  <a:srgbClr val="475569"/>
+                </a:solidFill>
+                <a:latin typeface="IPAPGothic"/>
+                <a:ea typeface="IPAPGothic"/>
+              </a:defRPr>
+            </a:pPr>
+            <a:r>
+              <a:rPr sz="1000" b="0">
+                <a:solidFill>
+                  <a:srgbClr val="475569"/>
+                </a:solidFill>
+                <a:latin typeface="IPAPGothic"/>
+              </a:rPr>
+              <a:t>• 事業承継で財産は引き継がれるが、創業者の「志」は引き継がれない。</a:t>
+            </a:r>
+          </a:p>
+        </p:txBody>
+      </p:sp>
+      <p:sp>
+        <p:nvSpPr>
+          <p:cNvPr id="9" name="TextBox 8"/>
+          <p:cNvSpPr txBox="1"/>
+          <p:nvPr/>
+        </p:nvSpPr>
+        <p:spPr>
+          <a:xfrm>
+            <a:off x="594360" y="3474720"/>
+            <a:ext cx="3657600" cy="868680"/>
+          </a:xfrm>
+          <a:prstGeom prst="rect">
+            <a:avLst/>
+          </a:prstGeom>
+          <a:noFill/>
+        </p:spPr>
+        <p:txBody>
+          <a:bodyPr wrap="square" anchor="t">
+            <a:spAutoFit/>
+          </a:bodyPr>
+          <a:lstStyle/>
+          <a:p>
+            <a:pPr algn="l">
+              <a:defRPr sz="1000" b="0">
+                <a:solidFill>
+                  <a:srgbClr val="475569"/>
+                </a:solidFill>
+                <a:latin typeface="IPAPGothic"/>
+                <a:ea typeface="IPAPGothic"/>
+              </a:defRPr>
+            </a:pPr>
+            <a:r>
+              <a:rPr sz="1000" b="0">
+                <a:solidFill>
+                  <a:srgbClr val="475569"/>
+                </a:solidFill>
+                <a:latin typeface="IPAPGothic"/>
+              </a:rPr>
+              <a:t>• 他ファームとの差別化が価格競争に陥りやすい。</a:t>
+            </a:r>
+          </a:p>
+        </p:txBody>
+      </p:sp>
+      <p:sp>
+        <p:nvSpPr>
+          <p:cNvPr id="10" name="Rectangle 9"/>
+          <p:cNvSpPr/>
+          <p:nvPr/>
+        </p:nvSpPr>
+        <p:spPr>
+          <a:xfrm>
+            <a:off x="4754880" y="1051560"/>
+            <a:ext cx="3931920" cy="3566160"/>
+          </a:xfrm>
+          <a:prstGeom prst="rect">
+            <a:avLst/>
+          </a:prstGeom>
+          <a:solidFill>
+            <a:srgbClr val="F8FAFC"/>
+          </a:solidFill>
+          <a:ln>
+            <a:noFill/>
+          </a:ln>
+        </p:spPr>
+        <p:style>
+          <a:lnRef idx="1">
+            <a:schemeClr val="accent1"/>
+          </a:lnRef>
+          <a:fillRef idx="3">
+            <a:schemeClr val="accent1"/>
+          </a:fillRef>
+          <a:effectRef idx="2">
+            <a:schemeClr val="accent1"/>
+          </a:effectRef>
+          <a:fontRef idx="minor">
+            <a:schemeClr val="lt1"/>
+          </a:fontRef>
+        </p:style>
+        <p:txBody>
+          <a:bodyPr rtlCol="0" anchor="ctr"/>
+          <a:lstStyle/>
+          <a:p>
+            <a:pPr algn="ctr"/>
+          </a:p>
+        </p:txBody>
+      </p:sp>
+      <p:sp>
+        <p:nvSpPr>
+          <p:cNvPr id="11" name="TextBox 10"/>
+          <p:cNvSpPr txBox="1"/>
+          <p:nvPr/>
+        </p:nvSpPr>
+        <p:spPr>
+          <a:xfrm>
+            <a:off x="4892040" y="1143000"/>
+            <a:ext cx="3657600" cy="274320"/>
+          </a:xfrm>
+          <a:prstGeom prst="rect">
+            <a:avLst/>
+          </a:prstGeom>
+          <a:noFill/>
+        </p:spPr>
+        <p:txBody>
+          <a:bodyPr wrap="square" anchor="t">
+            <a:spAutoFit/>
+          </a:bodyPr>
+          <a:lstStyle/>
+          <a:p>
+            <a:pPr algn="l">
+              <a:defRPr sz="1100" b="1">
+                <a:solidFill>
+                  <a:srgbClr val="1E293B"/>
+                </a:solidFill>
+                <a:latin typeface="IPAPGothic"/>
+                <a:ea typeface="IPAPGothic"/>
+              </a:defRPr>
+            </a:pPr>
+            <a:r>
+              <a:rPr sz="1100" b="1">
+                <a:solidFill>
+                  <a:srgbClr val="1E293B"/>
+                </a:solidFill>
+                <a:latin typeface="IPAPGothic"/>
+              </a:rPr>
+              <a:t>このプログラムで実現すること</a:t>
+            </a:r>
+          </a:p>
+        </p:txBody>
+      </p:sp>
+      <p:sp>
+        <p:nvSpPr>
+          <p:cNvPr id="12" name="TextBox 11"/>
+          <p:cNvSpPr txBox="1"/>
+          <p:nvPr/>
+        </p:nvSpPr>
+        <p:spPr>
+          <a:xfrm>
+            <a:off x="4892040" y="1554480"/>
+            <a:ext cx="3657600" cy="868680"/>
+          </a:xfrm>
+          <a:prstGeom prst="rect">
+            <a:avLst/>
+          </a:prstGeom>
+          <a:noFill/>
+        </p:spPr>
+        <p:txBody>
+          <a:bodyPr wrap="square" anchor="t">
+            <a:spAutoFit/>
+          </a:bodyPr>
+          <a:lstStyle/>
+          <a:p>
+            <a:pPr algn="l">
+              <a:defRPr sz="1000" b="0">
+                <a:solidFill>
+                  <a:srgbClr val="475569"/>
+                </a:solidFill>
+                <a:latin typeface="IPAPGothic"/>
+                <a:ea typeface="IPAPGothic"/>
+              </a:defRPr>
+            </a:pPr>
+            <a:r>
+              <a:rPr sz="1000" b="0">
+                <a:solidFill>
+                  <a:srgbClr val="475569"/>
+                </a:solidFill>
+                <a:latin typeface="IPAPGothic"/>
+              </a:rPr>
+              <a:t>• 顧問先に「軸の継承」という新しい価値を提供。財産＋志で完全な承継を実現。</a:t>
+            </a:r>
+          </a:p>
+        </p:txBody>
+      </p:sp>
+      <p:sp>
+        <p:nvSpPr>
+          <p:cNvPr id="13" name="TextBox 12"/>
+          <p:cNvSpPr txBox="1"/>
+          <p:nvPr/>
+        </p:nvSpPr>
+        <p:spPr>
+          <a:xfrm>
+            <a:off x="4892040" y="2514600"/>
+            <a:ext cx="3657600" cy="868680"/>
+          </a:xfrm>
+          <a:prstGeom prst="rect">
+            <a:avLst/>
+          </a:prstGeom>
+          <a:noFill/>
+        </p:spPr>
+        <p:txBody>
+          <a:bodyPr wrap="square" anchor="t">
+            <a:spAutoFit/>
+          </a:bodyPr>
+          <a:lstStyle/>
+          <a:p>
+            <a:pPr algn="l">
+              <a:defRPr sz="1000" b="0">
+                <a:solidFill>
+                  <a:srgbClr val="475569"/>
+                </a:solidFill>
+                <a:latin typeface="IPAPGothic"/>
+                <a:ea typeface="IPAPGothic"/>
+              </a:defRPr>
+            </a:pPr>
+            <a:r>
+              <a:rPr sz="1000" b="0">
+                <a:solidFill>
+                  <a:srgbClr val="475569"/>
+                </a:solidFill>
+                <a:latin typeface="IPAPGothic"/>
+              </a:rPr>
+              <a:t>• 事業承継に「創業の志の永続化」を組み込める。三層に刻まれた志は風化しない。</a:t>
+            </a:r>
+          </a:p>
+        </p:txBody>
+      </p:sp>
+      <p:sp>
+        <p:nvSpPr>
+          <p:cNvPr id="14" name="TextBox 13"/>
+          <p:cNvSpPr txBox="1"/>
+          <p:nvPr/>
+        </p:nvSpPr>
+        <p:spPr>
+          <a:xfrm>
+            <a:off x="4892040" y="3474720"/>
+            <a:ext cx="3657600" cy="868680"/>
+          </a:xfrm>
+          <a:prstGeom prst="rect">
+            <a:avLst/>
+          </a:prstGeom>
+          <a:noFill/>
+        </p:spPr>
+        <p:txBody>
+          <a:bodyPr wrap="square" anchor="t">
+            <a:spAutoFit/>
+          </a:bodyPr>
+          <a:lstStyle/>
+          <a:p>
+            <a:pPr algn="l">
+              <a:defRPr sz="1000" b="0">
+                <a:solidFill>
+                  <a:srgbClr val="475569"/>
+                </a:solidFill>
+                <a:latin typeface="IPAPGothic"/>
+                <a:ea typeface="IPAPGothic"/>
+              </a:defRPr>
+            </a:pPr>
+            <a:r>
+              <a:rPr sz="1000" b="0">
+                <a:solidFill>
+                  <a:srgbClr val="475569"/>
+                </a:solidFill>
+                <a:latin typeface="IPAPGothic"/>
+              </a:rPr>
+              <a:t>• 認定コーチとして唯一無二のサービスラインを構築。比較対象が消滅する。</a:t>
+            </a:r>
+          </a:p>
+        </p:txBody>
+      </p:sp>
+      <p:sp>
+        <p:nvSpPr>
+          <p:cNvPr id="15" name="Rectangle 14"/>
+          <p:cNvSpPr/>
+          <p:nvPr/>
+        </p:nvSpPr>
+        <p:spPr>
+          <a:xfrm>
+            <a:off x="0" y="4800600"/>
+            <a:ext cx="9144000" cy="9144"/>
+          </a:xfrm>
+          <a:prstGeom prst="rect">
+            <a:avLst/>
+          </a:prstGeom>
+          <a:solidFill>
+            <a:srgbClr val="94A3B8"/>
+          </a:solidFill>
+          <a:ln>
+            <a:noFill/>
+          </a:ln>
+        </p:spPr>
+        <p:style>
+          <a:lnRef idx="1">
+            <a:schemeClr val="accent1"/>
+          </a:lnRef>
+          <a:fillRef idx="3">
+            <a:schemeClr val="accent1"/>
+          </a:fillRef>
+          <a:effectRef idx="2">
+            <a:schemeClr val="accent1"/>
+          </a:effectRef>
+          <a:fontRef idx="minor">
+            <a:schemeClr val="lt1"/>
+          </a:fontRef>
+        </p:style>
+        <p:txBody>
+          <a:bodyPr rtlCol="0" anchor="ctr"/>
+          <a:lstStyle/>
+          <a:p>
+            <a:pPr algn="ctr"/>
+          </a:p>
+        </p:txBody>
+      </p:sp>
+      <p:sp>
+        <p:nvSpPr>
+          <p:cNvPr id="16" name="TextBox 15"/>
+          <p:cNvSpPr txBox="1"/>
+          <p:nvPr/>
+        </p:nvSpPr>
+        <p:spPr>
+          <a:xfrm>
+            <a:off x="457200" y="4818888"/>
+            <a:ext cx="3657600" cy="274320"/>
+          </a:xfrm>
+          <a:prstGeom prst="rect">
+            <a:avLst/>
+          </a:prstGeom>
+          <a:noFill/>
+        </p:spPr>
+        <p:txBody>
+          <a:bodyPr wrap="square" anchor="t">
+            <a:spAutoFit/>
+          </a:bodyPr>
+          <a:lstStyle/>
+          <a:p>
+            <a:pPr algn="l">
+              <a:defRPr sz="900" b="0">
+                <a:solidFill>
+                  <a:srgbClr val="94A3B8"/>
+                </a:solidFill>
+                <a:latin typeface="IPAPGothic"/>
+                <a:ea typeface="IPAPGothic"/>
+              </a:defRPr>
+            </a:pPr>
+            <a:r>
+              <a:rPr sz="900" b="0">
+                <a:solidFill>
+                  <a:srgbClr val="94A3B8"/>
+                </a:solidFill>
+                <a:latin typeface="IPAPGothic"/>
+              </a:rPr>
+              <a:t>Timeless Coach — 企業・団体導入</a:t>
+            </a:r>
+          </a:p>
+        </p:txBody>
+      </p:sp>
+      <p:sp>
+        <p:nvSpPr>
+          <p:cNvPr id="17" name="TextBox 16"/>
+          <p:cNvSpPr txBox="1"/>
+          <p:nvPr/>
+        </p:nvSpPr>
+        <p:spPr>
+          <a:xfrm>
+            <a:off x="3657600" y="4818888"/>
+            <a:ext cx="1828800" cy="274320"/>
+          </a:xfrm>
+          <a:prstGeom prst="rect">
+            <a:avLst/>
+          </a:prstGeom>
+          <a:noFill/>
+        </p:spPr>
+        <p:txBody>
+          <a:bodyPr wrap="square" anchor="t">
+            <a:spAutoFit/>
+          </a:bodyPr>
+          <a:lstStyle/>
+          <a:p>
+            <a:pPr algn="ctr">
+              <a:defRPr sz="900" b="0">
+                <a:solidFill>
+                  <a:srgbClr val="94A3B8"/>
+                </a:solidFill>
+                <a:latin typeface="IPAPGothic"/>
+                <a:ea typeface="IPAPGothic"/>
+              </a:defRPr>
+            </a:pPr>
+            <a:r>
+              <a:rPr sz="900" b="0">
+                <a:solidFill>
+                  <a:srgbClr val="94A3B8"/>
+                </a:solidFill>
+                <a:latin typeface="IPAPGothic"/>
+              </a:rPr>
+              <a:t>Confidential</a:t>
+            </a:r>
+          </a:p>
+        </p:txBody>
+      </p:sp>
+      <p:sp>
+        <p:nvSpPr>
+          <p:cNvPr id="18" name="TextBox 17"/>
+          <p:cNvSpPr txBox="1"/>
+          <p:nvPr/>
+        </p:nvSpPr>
+        <p:spPr>
+          <a:xfrm>
+            <a:off x="8229600" y="4818888"/>
+            <a:ext cx="457200" cy="274320"/>
+          </a:xfrm>
+          <a:prstGeom prst="rect">
+            <a:avLst/>
+          </a:prstGeom>
+          <a:noFill/>
+        </p:spPr>
+        <p:txBody>
+          <a:bodyPr wrap="square" anchor="t">
+            <a:spAutoFit/>
+          </a:bodyPr>
+          <a:lstStyle/>
+          <a:p>
+            <a:pPr algn="r">
+              <a:defRPr sz="900" b="1">
+                <a:solidFill>
+                  <a:srgbClr val="94A3B8"/>
+                </a:solidFill>
+                <a:latin typeface="IPAPGothic"/>
+                <a:ea typeface="IPAPGothic"/>
+              </a:defRPr>
+            </a:pPr>
+            <a:r>
+              <a:rPr sz="900" b="1">
+                <a:solidFill>
+                  <a:srgbClr val="94A3B8"/>
+                </a:solidFill>
+                <a:latin typeface="IPAPGothic"/>
+              </a:rPr>
+              <a:t>8</a:t>
+            </a:r>
+          </a:p>
+        </p:txBody>
+      </p:sp>
+    </p:spTree>
+  </p:cSld>
+  <p:clrMapOvr>
+    <a:masterClrMapping/>
+  </p:clrMapOvr>
+</p:sld>
+</file>
+
+<file path=ppt/slides/slide14.xml><?xml version="1.0" encoding="utf-8"?>
+<p:sld xmlns:a="http://schemas.openxmlformats.org/drawingml/2006/main" xmlns:p="http://schemas.openxmlformats.org/presentationml/2006/main" xmlns:r="http://schemas.openxmlformats.org/officeDocument/2006/relationships">
+  <p:cSld>
+    <p:spTree>
+      <p:nvGrpSpPr>
+        <p:cNvPr id="1" name=""/>
+        <p:cNvGrpSpPr/>
+        <p:nvPr/>
+      </p:nvGrpSpPr>
+      <p:grpSpPr/>
+      <p:sp>
+        <p:nvSpPr>
+          <p:cNvPr id="2" name="Rectangle 1"/>
+          <p:cNvSpPr/>
+          <p:nvPr/>
+        </p:nvSpPr>
+        <p:spPr>
+          <a:xfrm>
+            <a:off x="0" y="0"/>
+            <a:ext cx="9144000" cy="594360"/>
+          </a:xfrm>
+          <a:prstGeom prst="rect">
+            <a:avLst/>
+          </a:prstGeom>
+          <a:solidFill>
+            <a:srgbClr val="1E293B"/>
+          </a:solidFill>
+          <a:ln>
+            <a:noFill/>
+          </a:ln>
+        </p:spPr>
+        <p:style>
+          <a:lnRef idx="1">
+            <a:schemeClr val="accent1"/>
+          </a:lnRef>
+          <a:fillRef idx="3">
+            <a:schemeClr val="accent1"/>
+          </a:fillRef>
+          <a:effectRef idx="2">
+            <a:schemeClr val="accent1"/>
+          </a:effectRef>
+          <a:fontRef idx="minor">
+            <a:schemeClr val="lt1"/>
+          </a:fontRef>
+        </p:style>
+        <p:txBody>
+          <a:bodyPr rtlCol="0" anchor="ctr"/>
+          <a:lstStyle/>
+          <a:p>
+            <a:pPr algn="ctr"/>
+          </a:p>
+        </p:txBody>
+      </p:sp>
+      <p:sp>
+        <p:nvSpPr>
+          <p:cNvPr id="3" name="TextBox 2"/>
+          <p:cNvSpPr txBox="1"/>
+          <p:nvPr/>
+        </p:nvSpPr>
+        <p:spPr>
+          <a:xfrm>
+            <a:off x="457200" y="0"/>
+            <a:ext cx="8229600" cy="594360"/>
+          </a:xfrm>
+          <a:prstGeom prst="rect">
+            <a:avLst/>
+          </a:prstGeom>
+          <a:noFill/>
+        </p:spPr>
+        <p:txBody>
+          <a:bodyPr wrap="square" anchor="ctr">
+            <a:spAutoFit/>
+          </a:bodyPr>
+          <a:lstStyle/>
+          <a:p>
+            <a:pPr algn="l">
+              <a:defRPr sz="1200" b="1">
+                <a:solidFill>
+                  <a:srgbClr val="FFFFFF"/>
+                </a:solidFill>
+                <a:latin typeface="IPAPGothic"/>
+                <a:ea typeface="IPAPGothic"/>
+              </a:defRPr>
+            </a:pPr>
+            <a:r>
+              <a:rPr sz="1200" b="1">
+                <a:solidFill>
+                  <a:srgbClr val="FFFFFF"/>
+                </a:solidFill>
+                <a:latin typeface="IPAPGothic"/>
+              </a:rPr>
+              <a:t>教えを伝える方法は、千年前から変わっていない。変えよう</a:t>
+            </a:r>
+          </a:p>
+        </p:txBody>
+      </p:sp>
+      <p:sp>
+        <p:nvSpPr>
+          <p:cNvPr id="4" name="TextBox 3"/>
+          <p:cNvSpPr txBox="1"/>
+          <p:nvPr/>
+        </p:nvSpPr>
+        <p:spPr>
+          <a:xfrm>
+            <a:off x="457200" y="731520"/>
+            <a:ext cx="4572000" cy="274320"/>
+          </a:xfrm>
+          <a:prstGeom prst="rect">
+            <a:avLst/>
+          </a:prstGeom>
+          <a:noFill/>
+        </p:spPr>
+        <p:txBody>
+          <a:bodyPr wrap="square" anchor="t">
+            <a:spAutoFit/>
+          </a:bodyPr>
+          <a:lstStyle/>
+          <a:p>
+            <a:pPr algn="l">
+              <a:defRPr sz="1000" b="1">
+                <a:solidFill>
+                  <a:srgbClr val="2563EB"/>
+                </a:solidFill>
+                <a:latin typeface="IPAPGothic"/>
+                <a:ea typeface="IPAPGothic"/>
+              </a:defRPr>
+            </a:pPr>
+            <a:r>
+              <a:rPr sz="1000" b="1">
+                <a:solidFill>
+                  <a:srgbClr val="2563EB"/>
+                </a:solidFill>
+                <a:latin typeface="IPAPGothic"/>
+              </a:rPr>
+              <a:t>FOR: 宗教法人・寺院</a:t>
+            </a:r>
+          </a:p>
+        </p:txBody>
+      </p:sp>
+      <p:sp>
+        <p:nvSpPr>
+          <p:cNvPr id="5" name="Rectangle 4"/>
+          <p:cNvSpPr/>
+          <p:nvPr/>
+        </p:nvSpPr>
+        <p:spPr>
+          <a:xfrm>
+            <a:off x="457200" y="1051560"/>
+            <a:ext cx="3931920" cy="3566160"/>
+          </a:xfrm>
+          <a:prstGeom prst="rect">
+            <a:avLst/>
+          </a:prstGeom>
+          <a:solidFill>
+            <a:srgbClr val="F8FAFC"/>
+          </a:solidFill>
+          <a:ln>
+            <a:noFill/>
+          </a:ln>
+        </p:spPr>
+        <p:style>
+          <a:lnRef idx="1">
+            <a:schemeClr val="accent1"/>
+          </a:lnRef>
+          <a:fillRef idx="3">
+            <a:schemeClr val="accent1"/>
+          </a:fillRef>
+          <a:effectRef idx="2">
+            <a:schemeClr val="accent1"/>
+          </a:effectRef>
+          <a:fontRef idx="minor">
+            <a:schemeClr val="lt1"/>
+          </a:fontRef>
+        </p:style>
+        <p:txBody>
+          <a:bodyPr rtlCol="0" anchor="ctr"/>
+          <a:lstStyle/>
+          <a:p>
+            <a:pPr algn="ctr"/>
+          </a:p>
+        </p:txBody>
+      </p:sp>
+      <p:sp>
+        <p:nvSpPr>
+          <p:cNvPr id="6" name="TextBox 5"/>
+          <p:cNvSpPr txBox="1"/>
+          <p:nvPr/>
+        </p:nvSpPr>
+        <p:spPr>
+          <a:xfrm>
+            <a:off x="594360" y="1143000"/>
+            <a:ext cx="3657600" cy="274320"/>
+          </a:xfrm>
+          <a:prstGeom prst="rect">
+            <a:avLst/>
+          </a:prstGeom>
+          <a:noFill/>
+        </p:spPr>
+        <p:txBody>
+          <a:bodyPr wrap="square" anchor="t">
+            <a:spAutoFit/>
+          </a:bodyPr>
+          <a:lstStyle/>
+          <a:p>
+            <a:pPr algn="l">
+              <a:defRPr sz="1100" b="1">
+                <a:solidFill>
+                  <a:srgbClr val="1E293B"/>
+                </a:solidFill>
+                <a:latin typeface="IPAPGothic"/>
+                <a:ea typeface="IPAPGothic"/>
+              </a:defRPr>
+            </a:pPr>
+            <a:r>
+              <a:rPr sz="1100" b="1">
+                <a:solidFill>
+                  <a:srgbClr val="1E293B"/>
+                </a:solidFill>
+                <a:latin typeface="IPAPGothic"/>
+              </a:rPr>
+              <a:t>この業界の課題</a:t>
+            </a:r>
+          </a:p>
+        </p:txBody>
+      </p:sp>
+      <p:sp>
+        <p:nvSpPr>
+          <p:cNvPr id="7" name="TextBox 6"/>
+          <p:cNvSpPr txBox="1"/>
+          <p:nvPr/>
+        </p:nvSpPr>
+        <p:spPr>
+          <a:xfrm>
+            <a:off x="594360" y="1554480"/>
+            <a:ext cx="3657600" cy="868680"/>
+          </a:xfrm>
+          <a:prstGeom prst="rect">
+            <a:avLst/>
+          </a:prstGeom>
+          <a:noFill/>
+        </p:spPr>
+        <p:txBody>
+          <a:bodyPr wrap="square" anchor="t">
+            <a:spAutoFit/>
+          </a:bodyPr>
+          <a:lstStyle/>
+          <a:p>
+            <a:pPr algn="l">
+              <a:defRPr sz="1000" b="0">
+                <a:solidFill>
+                  <a:srgbClr val="475569"/>
+                </a:solidFill>
+                <a:latin typeface="IPAPGothic"/>
+                <a:ea typeface="IPAPGothic"/>
+              </a:defRPr>
+            </a:pPr>
+            <a:r>
+              <a:rPr sz="1000" b="0">
+                <a:solidFill>
+                  <a:srgbClr val="475569"/>
+                </a:solidFill>
+                <a:latin typeface="IPAPGothic"/>
+              </a:rPr>
+              <a:t>• 檀家の減少、地域との接点の希薄化。寺院の存在意義が問われている。</a:t>
+            </a:r>
+          </a:p>
+        </p:txBody>
+      </p:sp>
+      <p:sp>
+        <p:nvSpPr>
+          <p:cNvPr id="8" name="TextBox 7"/>
+          <p:cNvSpPr txBox="1"/>
+          <p:nvPr/>
+        </p:nvSpPr>
+        <p:spPr>
+          <a:xfrm>
+            <a:off x="594360" y="2514600"/>
+            <a:ext cx="3657600" cy="868680"/>
+          </a:xfrm>
+          <a:prstGeom prst="rect">
+            <a:avLst/>
+          </a:prstGeom>
+          <a:noFill/>
+        </p:spPr>
+        <p:txBody>
+          <a:bodyPr wrap="square" anchor="t">
+            <a:spAutoFit/>
+          </a:bodyPr>
+          <a:lstStyle/>
+          <a:p>
+            <a:pPr algn="l">
+              <a:defRPr sz="1000" b="0">
+                <a:solidFill>
+                  <a:srgbClr val="475569"/>
+                </a:solidFill>
+                <a:latin typeface="IPAPGothic"/>
+                <a:ea typeface="IPAPGothic"/>
+              </a:defRPr>
+            </a:pPr>
+            <a:r>
+              <a:rPr sz="1000" b="0">
+                <a:solidFill>
+                  <a:srgbClr val="475569"/>
+                </a:solidFill>
+                <a:latin typeface="IPAPGothic"/>
+              </a:rPr>
+              <a:t>• 教えの本質が儀式の形式に埋もれている。「なぜ」が伝わらない。</a:t>
+            </a:r>
+          </a:p>
+        </p:txBody>
+      </p:sp>
+      <p:sp>
+        <p:nvSpPr>
+          <p:cNvPr id="9" name="TextBox 8"/>
+          <p:cNvSpPr txBox="1"/>
+          <p:nvPr/>
+        </p:nvSpPr>
+        <p:spPr>
+          <a:xfrm>
+            <a:off x="594360" y="3474720"/>
+            <a:ext cx="3657600" cy="868680"/>
+          </a:xfrm>
+          <a:prstGeom prst="rect">
+            <a:avLst/>
+          </a:prstGeom>
+          <a:noFill/>
+        </p:spPr>
+        <p:txBody>
+          <a:bodyPr wrap="square" anchor="t">
+            <a:spAutoFit/>
+          </a:bodyPr>
+          <a:lstStyle/>
+          <a:p>
+            <a:pPr algn="l">
+              <a:defRPr sz="1000" b="0">
+                <a:solidFill>
+                  <a:srgbClr val="475569"/>
+                </a:solidFill>
+                <a:latin typeface="IPAPGothic"/>
+                <a:ea typeface="IPAPGothic"/>
+              </a:defRPr>
+            </a:pPr>
+            <a:r>
+              <a:rPr sz="1000" b="0">
+                <a:solidFill>
+                  <a:srgbClr val="475569"/>
+                </a:solidFill>
+                <a:latin typeface="IPAPGothic"/>
+              </a:rPr>
+              <a:t>• 若い僧侶・職員の「なぜこの道を選んだか」が言語化されていない。</a:t>
+            </a:r>
+          </a:p>
+        </p:txBody>
+      </p:sp>
+      <p:sp>
+        <p:nvSpPr>
+          <p:cNvPr id="10" name="Rectangle 9"/>
+          <p:cNvSpPr/>
+          <p:nvPr/>
+        </p:nvSpPr>
+        <p:spPr>
+          <a:xfrm>
+            <a:off x="4754880" y="1051560"/>
+            <a:ext cx="3931920" cy="3566160"/>
+          </a:xfrm>
+          <a:prstGeom prst="rect">
+            <a:avLst/>
+          </a:prstGeom>
+          <a:solidFill>
+            <a:srgbClr val="F8FAFC"/>
+          </a:solidFill>
+          <a:ln>
+            <a:noFill/>
+          </a:ln>
+        </p:spPr>
+        <p:style>
+          <a:lnRef idx="1">
+            <a:schemeClr val="accent1"/>
+          </a:lnRef>
+          <a:fillRef idx="3">
+            <a:schemeClr val="accent1"/>
+          </a:fillRef>
+          <a:effectRef idx="2">
+            <a:schemeClr val="accent1"/>
+          </a:effectRef>
+          <a:fontRef idx="minor">
+            <a:schemeClr val="lt1"/>
+          </a:fontRef>
+        </p:style>
+        <p:txBody>
+          <a:bodyPr rtlCol="0" anchor="ctr"/>
+          <a:lstStyle/>
+          <a:p>
+            <a:pPr algn="ctr"/>
+          </a:p>
+        </p:txBody>
+      </p:sp>
+      <p:sp>
+        <p:nvSpPr>
+          <p:cNvPr id="11" name="TextBox 10"/>
+          <p:cNvSpPr txBox="1"/>
+          <p:nvPr/>
+        </p:nvSpPr>
+        <p:spPr>
+          <a:xfrm>
+            <a:off x="4892040" y="1143000"/>
+            <a:ext cx="3657600" cy="274320"/>
+          </a:xfrm>
+          <a:prstGeom prst="rect">
+            <a:avLst/>
+          </a:prstGeom>
+          <a:noFill/>
+        </p:spPr>
+        <p:txBody>
+          <a:bodyPr wrap="square" anchor="t">
+            <a:spAutoFit/>
+          </a:bodyPr>
+          <a:lstStyle/>
+          <a:p>
+            <a:pPr algn="l">
+              <a:defRPr sz="1100" b="1">
+                <a:solidFill>
+                  <a:srgbClr val="1E293B"/>
+                </a:solidFill>
+                <a:latin typeface="IPAPGothic"/>
+                <a:ea typeface="IPAPGothic"/>
+              </a:defRPr>
+            </a:pPr>
+            <a:r>
+              <a:rPr sz="1100" b="1">
+                <a:solidFill>
+                  <a:srgbClr val="1E293B"/>
+                </a:solidFill>
+                <a:latin typeface="IPAPGothic"/>
+              </a:rPr>
+              <a:t>このプログラムで実現すること</a:t>
+            </a:r>
+          </a:p>
+        </p:txBody>
+      </p:sp>
+      <p:sp>
+        <p:nvSpPr>
+          <p:cNvPr id="12" name="TextBox 11"/>
+          <p:cNvSpPr txBox="1"/>
+          <p:nvPr/>
+        </p:nvSpPr>
+        <p:spPr>
+          <a:xfrm>
+            <a:off x="4892040" y="1554480"/>
+            <a:ext cx="3657600" cy="868680"/>
+          </a:xfrm>
+          <a:prstGeom prst="rect">
+            <a:avLst/>
+          </a:prstGeom>
+          <a:noFill/>
+        </p:spPr>
+        <p:txBody>
+          <a:bodyPr wrap="square" anchor="t">
+            <a:spAutoFit/>
+          </a:bodyPr>
+          <a:lstStyle/>
+          <a:p>
+            <a:pPr algn="l">
+              <a:defRPr sz="1000" b="0">
+                <a:solidFill>
+                  <a:srgbClr val="475569"/>
+                </a:solidFill>
+                <a:latin typeface="IPAPGothic"/>
+                <a:ea typeface="IPAPGothic"/>
+              </a:defRPr>
+            </a:pPr>
+            <a:r>
+              <a:rPr sz="1000" b="0">
+                <a:solidFill>
+                  <a:srgbClr val="475569"/>
+                </a:solidFill>
+                <a:latin typeface="IPAPGothic"/>
+              </a:rPr>
+              <a:t>• 僧侶が「問いを立てる人」として地域に価値を届ける。寺院が対話の場になる。</a:t>
+            </a:r>
+          </a:p>
+        </p:txBody>
+      </p:sp>
+      <p:sp>
+        <p:nvSpPr>
+          <p:cNvPr id="13" name="TextBox 12"/>
+          <p:cNvSpPr txBox="1"/>
+          <p:nvPr/>
+        </p:nvSpPr>
+        <p:spPr>
+          <a:xfrm>
+            <a:off x="4892040" y="2514600"/>
+            <a:ext cx="3657600" cy="868680"/>
+          </a:xfrm>
+          <a:prstGeom prst="rect">
+            <a:avLst/>
+          </a:prstGeom>
+          <a:noFill/>
+        </p:spPr>
+        <p:txBody>
+          <a:bodyPr wrap="square" anchor="t">
+            <a:spAutoFit/>
+          </a:bodyPr>
+          <a:lstStyle/>
+          <a:p>
+            <a:pPr algn="l">
+              <a:defRPr sz="1000" b="0">
+                <a:solidFill>
+                  <a:srgbClr val="475569"/>
+                </a:solidFill>
+                <a:latin typeface="IPAPGothic"/>
+                <a:ea typeface="IPAPGothic"/>
+              </a:defRPr>
+            </a:pPr>
+            <a:r>
+              <a:rPr sz="1000" b="0">
+                <a:solidFill>
+                  <a:srgbClr val="475569"/>
+                </a:solidFill>
+                <a:latin typeface="IPAPGothic"/>
+              </a:rPr>
+              <a:t>• 開祖・宗祖の志を三層に永続化。風化する石碑ではなく、千年残る形で。</a:t>
+            </a:r>
+          </a:p>
+        </p:txBody>
+      </p:sp>
+      <p:sp>
+        <p:nvSpPr>
+          <p:cNvPr id="14" name="TextBox 13"/>
+          <p:cNvSpPr txBox="1"/>
+          <p:nvPr/>
+        </p:nvSpPr>
+        <p:spPr>
+          <a:xfrm>
+            <a:off x="4892040" y="3474720"/>
+            <a:ext cx="3657600" cy="868680"/>
+          </a:xfrm>
+          <a:prstGeom prst="rect">
+            <a:avLst/>
+          </a:prstGeom>
+          <a:noFill/>
+        </p:spPr>
+        <p:txBody>
+          <a:bodyPr wrap="square" anchor="t">
+            <a:spAutoFit/>
+          </a:bodyPr>
+          <a:lstStyle/>
+          <a:p>
+            <a:pPr algn="l">
+              <a:defRPr sz="1000" b="0">
+                <a:solidFill>
+                  <a:srgbClr val="475569"/>
+                </a:solidFill>
+                <a:latin typeface="IPAPGothic"/>
+                <a:ea typeface="IPAPGothic"/>
+              </a:defRPr>
+            </a:pPr>
+            <a:r>
+              <a:rPr sz="1000" b="0">
+                <a:solidFill>
+                  <a:srgbClr val="475569"/>
+                </a:solidFill>
+                <a:latin typeface="IPAPGothic"/>
+              </a:rPr>
+              <a:t>• 寺院が「軸の永続化拠点」として再定義される。地域にとっての意味が変わる。</a:t>
+            </a:r>
+          </a:p>
+        </p:txBody>
+      </p:sp>
+      <p:sp>
+        <p:nvSpPr>
+          <p:cNvPr id="15" name="Rectangle 14"/>
+          <p:cNvSpPr/>
+          <p:nvPr/>
+        </p:nvSpPr>
+        <p:spPr>
+          <a:xfrm>
+            <a:off x="0" y="4800600"/>
+            <a:ext cx="9144000" cy="9144"/>
+          </a:xfrm>
+          <a:prstGeom prst="rect">
+            <a:avLst/>
+          </a:prstGeom>
+          <a:solidFill>
+            <a:srgbClr val="94A3B8"/>
+          </a:solidFill>
+          <a:ln>
+            <a:noFill/>
+          </a:ln>
+        </p:spPr>
+        <p:style>
+          <a:lnRef idx="1">
+            <a:schemeClr val="accent1"/>
+          </a:lnRef>
+          <a:fillRef idx="3">
+            <a:schemeClr val="accent1"/>
+          </a:fillRef>
+          <a:effectRef idx="2">
+            <a:schemeClr val="accent1"/>
+          </a:effectRef>
+          <a:fontRef idx="minor">
+            <a:schemeClr val="lt1"/>
+          </a:fontRef>
+        </p:style>
+        <p:txBody>
+          <a:bodyPr rtlCol="0" anchor="ctr"/>
+          <a:lstStyle/>
+          <a:p>
+            <a:pPr algn="ctr"/>
+          </a:p>
+        </p:txBody>
+      </p:sp>
+      <p:sp>
+        <p:nvSpPr>
+          <p:cNvPr id="16" name="TextBox 15"/>
+          <p:cNvSpPr txBox="1"/>
+          <p:nvPr/>
+        </p:nvSpPr>
+        <p:spPr>
+          <a:xfrm>
+            <a:off x="457200" y="4818888"/>
+            <a:ext cx="3657600" cy="274320"/>
+          </a:xfrm>
+          <a:prstGeom prst="rect">
+            <a:avLst/>
+          </a:prstGeom>
+          <a:noFill/>
+        </p:spPr>
+        <p:txBody>
+          <a:bodyPr wrap="square" anchor="t">
+            <a:spAutoFit/>
+          </a:bodyPr>
+          <a:lstStyle/>
+          <a:p>
+            <a:pPr algn="l">
+              <a:defRPr sz="900" b="0">
+                <a:solidFill>
+                  <a:srgbClr val="94A3B8"/>
+                </a:solidFill>
+                <a:latin typeface="IPAPGothic"/>
+                <a:ea typeface="IPAPGothic"/>
+              </a:defRPr>
+            </a:pPr>
+            <a:r>
+              <a:rPr sz="900" b="0">
+                <a:solidFill>
+                  <a:srgbClr val="94A3B8"/>
+                </a:solidFill>
+                <a:latin typeface="IPAPGothic"/>
+              </a:rPr>
+              <a:t>Timeless Coach — 企業・団体導入</a:t>
+            </a:r>
+          </a:p>
+        </p:txBody>
+      </p:sp>
+      <p:sp>
+        <p:nvSpPr>
+          <p:cNvPr id="17" name="TextBox 16"/>
+          <p:cNvSpPr txBox="1"/>
+          <p:nvPr/>
+        </p:nvSpPr>
+        <p:spPr>
+          <a:xfrm>
+            <a:off x="3657600" y="4818888"/>
+            <a:ext cx="1828800" cy="274320"/>
+          </a:xfrm>
+          <a:prstGeom prst="rect">
+            <a:avLst/>
+          </a:prstGeom>
+          <a:noFill/>
+        </p:spPr>
+        <p:txBody>
+          <a:bodyPr wrap="square" anchor="t">
+            <a:spAutoFit/>
+          </a:bodyPr>
+          <a:lstStyle/>
+          <a:p>
+            <a:pPr algn="ctr">
+              <a:defRPr sz="900" b="0">
+                <a:solidFill>
+                  <a:srgbClr val="94A3B8"/>
+                </a:solidFill>
+                <a:latin typeface="IPAPGothic"/>
+                <a:ea typeface="IPAPGothic"/>
+              </a:defRPr>
+            </a:pPr>
+            <a:r>
+              <a:rPr sz="900" b="0">
+                <a:solidFill>
+                  <a:srgbClr val="94A3B8"/>
+                </a:solidFill>
+                <a:latin typeface="IPAPGothic"/>
+              </a:rPr>
+              <a:t>Confidential</a:t>
+            </a:r>
+          </a:p>
+        </p:txBody>
+      </p:sp>
+      <p:sp>
+        <p:nvSpPr>
+          <p:cNvPr id="18" name="TextBox 17"/>
+          <p:cNvSpPr txBox="1"/>
+          <p:nvPr/>
+        </p:nvSpPr>
+        <p:spPr>
+          <a:xfrm>
+            <a:off x="8229600" y="4818888"/>
+            <a:ext cx="457200" cy="274320"/>
+          </a:xfrm>
+          <a:prstGeom prst="rect">
+            <a:avLst/>
+          </a:prstGeom>
+          <a:noFill/>
+        </p:spPr>
+        <p:txBody>
+          <a:bodyPr wrap="square" anchor="t">
+            <a:spAutoFit/>
+          </a:bodyPr>
+          <a:lstStyle/>
+          <a:p>
+            <a:pPr algn="r">
+              <a:defRPr sz="900" b="1">
+                <a:solidFill>
+                  <a:srgbClr val="94A3B8"/>
+                </a:solidFill>
+                <a:latin typeface="IPAPGothic"/>
+                <a:ea typeface="IPAPGothic"/>
+              </a:defRPr>
+            </a:pPr>
+            <a:r>
+              <a:rPr sz="900" b="1">
+                <a:solidFill>
+                  <a:srgbClr val="94A3B8"/>
+                </a:solidFill>
+                <a:latin typeface="IPAPGothic"/>
+              </a:rPr>
+              <a:t>9</a:t>
+            </a:r>
+          </a:p>
+        </p:txBody>
+      </p:sp>
+    </p:spTree>
+  </p:cSld>
+  <p:clrMapOvr>
+    <a:masterClrMapping/>
+  </p:clrMapOvr>
+</p:sld>
+</file>
+
+<file path=ppt/slides/slide15.xml><?xml version="1.0" encoding="utf-8"?>
+<p:sld xmlns:a="http://schemas.openxmlformats.org/drawingml/2006/main" xmlns:p="http://schemas.openxmlformats.org/presentationml/2006/main" xmlns:r="http://schemas.openxmlformats.org/officeDocument/2006/relationships">
+  <p:cSld>
+    <p:spTree>
+      <p:nvGrpSpPr>
+        <p:cNvPr id="1" name=""/>
+        <p:cNvGrpSpPr/>
+        <p:nvPr/>
+      </p:nvGrpSpPr>
+      <p:grpSpPr/>
+      <p:sp>
+        <p:nvSpPr>
+          <p:cNvPr id="2" name="Rectangle 1"/>
+          <p:cNvSpPr/>
+          <p:nvPr/>
+        </p:nvSpPr>
+        <p:spPr>
+          <a:xfrm>
+            <a:off x="0" y="0"/>
+            <a:ext cx="9144000" cy="594360"/>
+          </a:xfrm>
+          <a:prstGeom prst="rect">
+            <a:avLst/>
+          </a:prstGeom>
+          <a:solidFill>
+            <a:srgbClr val="1E293B"/>
+          </a:solidFill>
+          <a:ln>
+            <a:noFill/>
+          </a:ln>
+        </p:spPr>
+        <p:style>
+          <a:lnRef idx="1">
+            <a:schemeClr val="accent1"/>
+          </a:lnRef>
+          <a:fillRef idx="3">
+            <a:schemeClr val="accent1"/>
+          </a:fillRef>
+          <a:effectRef idx="2">
+            <a:schemeClr val="accent1"/>
+          </a:effectRef>
+          <a:fontRef idx="minor">
+            <a:schemeClr val="lt1"/>
+          </a:fontRef>
+        </p:style>
+        <p:txBody>
+          <a:bodyPr rtlCol="0" anchor="ctr"/>
+          <a:lstStyle/>
+          <a:p>
+            <a:pPr algn="ctr"/>
+          </a:p>
+        </p:txBody>
+      </p:sp>
+      <p:sp>
+        <p:nvSpPr>
+          <p:cNvPr id="3" name="TextBox 2"/>
+          <p:cNvSpPr txBox="1"/>
+          <p:nvPr/>
+        </p:nvSpPr>
+        <p:spPr>
+          <a:xfrm>
+            <a:off x="457200" y="0"/>
+            <a:ext cx="8229600" cy="594360"/>
+          </a:xfrm>
+          <a:prstGeom prst="rect">
+            <a:avLst/>
+          </a:prstGeom>
+          <a:noFill/>
+        </p:spPr>
+        <p:txBody>
+          <a:bodyPr wrap="square" anchor="ctr">
+            <a:spAutoFit/>
+          </a:bodyPr>
+          <a:lstStyle/>
+          <a:p>
+            <a:pPr algn="l">
+              <a:defRPr sz="1200" b="1">
+                <a:solidFill>
+                  <a:srgbClr val="FFFFFF"/>
+                </a:solidFill>
+                <a:latin typeface="IPAPGothic"/>
+                <a:ea typeface="IPAPGothic"/>
+              </a:defRPr>
+            </a:pPr>
+            <a:r>
+              <a:rPr sz="1200" b="1">
+                <a:solidFill>
+                  <a:srgbClr val="FFFFFF"/>
+                </a:solidFill>
+                <a:latin typeface="IPAPGothic"/>
+              </a:rPr>
+              <a:t>知識は検索できる時代。教育の本質は「軸を持つ人間」を育てること</a:t>
+            </a:r>
+          </a:p>
+        </p:txBody>
+      </p:sp>
+      <p:sp>
+        <p:nvSpPr>
+          <p:cNvPr id="4" name="TextBox 3"/>
+          <p:cNvSpPr txBox="1"/>
+          <p:nvPr/>
+        </p:nvSpPr>
+        <p:spPr>
+          <a:xfrm>
+            <a:off x="457200" y="731520"/>
+            <a:ext cx="4572000" cy="274320"/>
+          </a:xfrm>
+          <a:prstGeom prst="rect">
+            <a:avLst/>
+          </a:prstGeom>
+          <a:noFill/>
+        </p:spPr>
+        <p:txBody>
+          <a:bodyPr wrap="square" anchor="t">
+            <a:spAutoFit/>
+          </a:bodyPr>
+          <a:lstStyle/>
+          <a:p>
+            <a:pPr algn="l">
+              <a:defRPr sz="1000" b="1">
+                <a:solidFill>
+                  <a:srgbClr val="2563EB"/>
+                </a:solidFill>
+                <a:latin typeface="IPAPGothic"/>
+                <a:ea typeface="IPAPGothic"/>
+              </a:defRPr>
+            </a:pPr>
+            <a:r>
+              <a:rPr sz="1000" b="1">
+                <a:solidFill>
+                  <a:srgbClr val="2563EB"/>
+                </a:solidFill>
+                <a:latin typeface="IPAPGothic"/>
+              </a:rPr>
+              <a:t>FOR: 教育機関</a:t>
+            </a:r>
+          </a:p>
+        </p:txBody>
+      </p:sp>
+      <p:sp>
+        <p:nvSpPr>
+          <p:cNvPr id="5" name="Rectangle 4"/>
+          <p:cNvSpPr/>
+          <p:nvPr/>
+        </p:nvSpPr>
+        <p:spPr>
+          <a:xfrm>
+            <a:off x="457200" y="1051560"/>
+            <a:ext cx="3931920" cy="3566160"/>
+          </a:xfrm>
+          <a:prstGeom prst="rect">
+            <a:avLst/>
+          </a:prstGeom>
+          <a:solidFill>
+            <a:srgbClr val="F8FAFC"/>
+          </a:solidFill>
+          <a:ln>
+            <a:noFill/>
+          </a:ln>
+        </p:spPr>
+        <p:style>
+          <a:lnRef idx="1">
+            <a:schemeClr val="accent1"/>
+          </a:lnRef>
+          <a:fillRef idx="3">
+            <a:schemeClr val="accent1"/>
+          </a:fillRef>
+          <a:effectRef idx="2">
+            <a:schemeClr val="accent1"/>
+          </a:effectRef>
+          <a:fontRef idx="minor">
+            <a:schemeClr val="lt1"/>
+          </a:fontRef>
+        </p:style>
+        <p:txBody>
+          <a:bodyPr rtlCol="0" anchor="ctr"/>
+          <a:lstStyle/>
+          <a:p>
+            <a:pPr algn="ctr"/>
+          </a:p>
+        </p:txBody>
+      </p:sp>
+      <p:sp>
+        <p:nvSpPr>
+          <p:cNvPr id="6" name="TextBox 5"/>
+          <p:cNvSpPr txBox="1"/>
+          <p:nvPr/>
+        </p:nvSpPr>
+        <p:spPr>
+          <a:xfrm>
+            <a:off x="594360" y="1143000"/>
+            <a:ext cx="3657600" cy="274320"/>
+          </a:xfrm>
+          <a:prstGeom prst="rect">
+            <a:avLst/>
+          </a:prstGeom>
+          <a:noFill/>
+        </p:spPr>
+        <p:txBody>
+          <a:bodyPr wrap="square" anchor="t">
+            <a:spAutoFit/>
+          </a:bodyPr>
+          <a:lstStyle/>
+          <a:p>
+            <a:pPr algn="l">
+              <a:defRPr sz="1100" b="1">
+                <a:solidFill>
+                  <a:srgbClr val="1E293B"/>
+                </a:solidFill>
+                <a:latin typeface="IPAPGothic"/>
+                <a:ea typeface="IPAPGothic"/>
+              </a:defRPr>
+            </a:pPr>
+            <a:r>
+              <a:rPr sz="1100" b="1">
+                <a:solidFill>
+                  <a:srgbClr val="1E293B"/>
+                </a:solidFill>
+                <a:latin typeface="IPAPGothic"/>
+              </a:rPr>
+              <a:t>この業界の課題</a:t>
+            </a:r>
+          </a:p>
+        </p:txBody>
+      </p:sp>
+      <p:sp>
+        <p:nvSpPr>
+          <p:cNvPr id="7" name="TextBox 6"/>
+          <p:cNvSpPr txBox="1"/>
+          <p:nvPr/>
+        </p:nvSpPr>
+        <p:spPr>
+          <a:xfrm>
+            <a:off x="594360" y="1554480"/>
+            <a:ext cx="3657600" cy="868680"/>
+          </a:xfrm>
+          <a:prstGeom prst="rect">
+            <a:avLst/>
+          </a:prstGeom>
+          <a:noFill/>
+        </p:spPr>
+        <p:txBody>
+          <a:bodyPr wrap="square" anchor="t">
+            <a:spAutoFit/>
+          </a:bodyPr>
+          <a:lstStyle/>
+          <a:p>
+            <a:pPr algn="l">
+              <a:defRPr sz="1000" b="0">
+                <a:solidFill>
+                  <a:srgbClr val="475569"/>
+                </a:solidFill>
+                <a:latin typeface="IPAPGothic"/>
+                <a:ea typeface="IPAPGothic"/>
+              </a:defRPr>
+            </a:pPr>
+            <a:r>
+              <a:rPr sz="1000" b="0">
+                <a:solidFill>
+                  <a:srgbClr val="475569"/>
+                </a:solidFill>
+                <a:latin typeface="IPAPGothic"/>
+              </a:rPr>
+              <a:t>• AIが知識提供を代替し、教員の役割が根本から問われている。</a:t>
+            </a:r>
+          </a:p>
+        </p:txBody>
+      </p:sp>
+      <p:sp>
+        <p:nvSpPr>
+          <p:cNvPr id="8" name="TextBox 7"/>
+          <p:cNvSpPr txBox="1"/>
+          <p:nvPr/>
+        </p:nvSpPr>
+        <p:spPr>
+          <a:xfrm>
+            <a:off x="594360" y="2514600"/>
+            <a:ext cx="3657600" cy="868680"/>
+          </a:xfrm>
+          <a:prstGeom prst="rect">
+            <a:avLst/>
+          </a:prstGeom>
+          <a:noFill/>
+        </p:spPr>
+        <p:txBody>
+          <a:bodyPr wrap="square" anchor="t">
+            <a:spAutoFit/>
+          </a:bodyPr>
+          <a:lstStyle/>
+          <a:p>
+            <a:pPr algn="l">
+              <a:defRPr sz="1000" b="0">
+                <a:solidFill>
+                  <a:srgbClr val="475569"/>
+                </a:solidFill>
+                <a:latin typeface="IPAPGothic"/>
+                <a:ea typeface="IPAPGothic"/>
+              </a:defRPr>
+            </a:pPr>
+            <a:r>
+              <a:rPr sz="1000" b="0">
+                <a:solidFill>
+                  <a:srgbClr val="475569"/>
+                </a:solidFill>
+                <a:latin typeface="IPAPGothic"/>
+              </a:rPr>
+              <a:t>• 学生が「自分の軸」を持てないまま社会に出ていく。キャリア迷子が増加。</a:t>
+            </a:r>
+          </a:p>
+        </p:txBody>
+      </p:sp>
+      <p:sp>
+        <p:nvSpPr>
+          <p:cNvPr id="9" name="TextBox 8"/>
+          <p:cNvSpPr txBox="1"/>
+          <p:nvPr/>
+        </p:nvSpPr>
+        <p:spPr>
+          <a:xfrm>
+            <a:off x="594360" y="3474720"/>
+            <a:ext cx="3657600" cy="868680"/>
+          </a:xfrm>
+          <a:prstGeom prst="rect">
+            <a:avLst/>
+          </a:prstGeom>
+          <a:noFill/>
+        </p:spPr>
+        <p:txBody>
+          <a:bodyPr wrap="square" anchor="t">
+            <a:spAutoFit/>
+          </a:bodyPr>
+          <a:lstStyle/>
+          <a:p>
+            <a:pPr algn="l">
+              <a:defRPr sz="1000" b="0">
+                <a:solidFill>
+                  <a:srgbClr val="475569"/>
+                </a:solidFill>
+                <a:latin typeface="IPAPGothic"/>
+                <a:ea typeface="IPAPGothic"/>
+              </a:defRPr>
+            </a:pPr>
+            <a:r>
+              <a:rPr sz="1000" b="0">
+                <a:solidFill>
+                  <a:srgbClr val="475569"/>
+                </a:solidFill>
+                <a:latin typeface="IPAPGothic"/>
+              </a:rPr>
+              <a:t>• キャリア教育が「職業選択」に留まり、「生き方の軸」に届いていない。</a:t>
+            </a:r>
+          </a:p>
+        </p:txBody>
+      </p:sp>
+      <p:sp>
+        <p:nvSpPr>
+          <p:cNvPr id="10" name="Rectangle 9"/>
+          <p:cNvSpPr/>
+          <p:nvPr/>
+        </p:nvSpPr>
+        <p:spPr>
+          <a:xfrm>
+            <a:off x="4754880" y="1051560"/>
+            <a:ext cx="3931920" cy="3566160"/>
+          </a:xfrm>
+          <a:prstGeom prst="rect">
+            <a:avLst/>
+          </a:prstGeom>
+          <a:solidFill>
+            <a:srgbClr val="F8FAFC"/>
+          </a:solidFill>
+          <a:ln>
+            <a:noFill/>
+          </a:ln>
+        </p:spPr>
+        <p:style>
+          <a:lnRef idx="1">
+            <a:schemeClr val="accent1"/>
+          </a:lnRef>
+          <a:fillRef idx="3">
+            <a:schemeClr val="accent1"/>
+          </a:fillRef>
+          <a:effectRef idx="2">
+            <a:schemeClr val="accent1"/>
+          </a:effectRef>
+          <a:fontRef idx="minor">
+            <a:schemeClr val="lt1"/>
+          </a:fontRef>
+        </p:style>
+        <p:txBody>
+          <a:bodyPr rtlCol="0" anchor="ctr"/>
+          <a:lstStyle/>
+          <a:p>
+            <a:pPr algn="ctr"/>
+          </a:p>
+        </p:txBody>
+      </p:sp>
+      <p:sp>
+        <p:nvSpPr>
+          <p:cNvPr id="11" name="TextBox 10"/>
+          <p:cNvSpPr txBox="1"/>
+          <p:nvPr/>
+        </p:nvSpPr>
+        <p:spPr>
+          <a:xfrm>
+            <a:off x="4892040" y="1143000"/>
+            <a:ext cx="3657600" cy="274320"/>
+          </a:xfrm>
+          <a:prstGeom prst="rect">
+            <a:avLst/>
+          </a:prstGeom>
+          <a:noFill/>
+        </p:spPr>
+        <p:txBody>
+          <a:bodyPr wrap="square" anchor="t">
+            <a:spAutoFit/>
+          </a:bodyPr>
+          <a:lstStyle/>
+          <a:p>
+            <a:pPr algn="l">
+              <a:defRPr sz="1100" b="1">
+                <a:solidFill>
+                  <a:srgbClr val="1E293B"/>
+                </a:solidFill>
+                <a:latin typeface="IPAPGothic"/>
+                <a:ea typeface="IPAPGothic"/>
+              </a:defRPr>
+            </a:pPr>
+            <a:r>
+              <a:rPr sz="1100" b="1">
+                <a:solidFill>
+                  <a:srgbClr val="1E293B"/>
+                </a:solidFill>
+                <a:latin typeface="IPAPGothic"/>
+              </a:rPr>
+              <a:t>このプログラムで実現すること</a:t>
+            </a:r>
+          </a:p>
+        </p:txBody>
+      </p:sp>
+      <p:sp>
+        <p:nvSpPr>
+          <p:cNvPr id="12" name="TextBox 11"/>
+          <p:cNvSpPr txBox="1"/>
+          <p:nvPr/>
+        </p:nvSpPr>
+        <p:spPr>
+          <a:xfrm>
+            <a:off x="4892040" y="1554480"/>
+            <a:ext cx="3657600" cy="868680"/>
+          </a:xfrm>
+          <a:prstGeom prst="rect">
+            <a:avLst/>
+          </a:prstGeom>
+          <a:noFill/>
+        </p:spPr>
+        <p:txBody>
+          <a:bodyPr wrap="square" anchor="t">
+            <a:spAutoFit/>
+          </a:bodyPr>
+          <a:lstStyle/>
+          <a:p>
+            <a:pPr algn="l">
+              <a:defRPr sz="1000" b="0">
+                <a:solidFill>
+                  <a:srgbClr val="475569"/>
+                </a:solidFill>
+                <a:latin typeface="IPAPGothic"/>
+                <a:ea typeface="IPAPGothic"/>
+              </a:defRPr>
+            </a:pPr>
+            <a:r>
+              <a:rPr sz="1000" b="0">
+                <a:solidFill>
+                  <a:srgbClr val="475569"/>
+                </a:solidFill>
+                <a:latin typeface="IPAPGothic"/>
+              </a:rPr>
+              <a:t>• 教員自身が軸を言語化し、「問いを立てる力」を体得。AIにできない教育の核を掴む。</a:t>
+            </a:r>
+          </a:p>
+        </p:txBody>
+      </p:sp>
+      <p:sp>
+        <p:nvSpPr>
+          <p:cNvPr id="13" name="TextBox 12"/>
+          <p:cNvSpPr txBox="1"/>
+          <p:nvPr/>
+        </p:nvSpPr>
+        <p:spPr>
+          <a:xfrm>
+            <a:off x="4892040" y="2514600"/>
+            <a:ext cx="3657600" cy="868680"/>
+          </a:xfrm>
+          <a:prstGeom prst="rect">
+            <a:avLst/>
+          </a:prstGeom>
+          <a:noFill/>
+        </p:spPr>
+        <p:txBody>
+          <a:bodyPr wrap="square" anchor="t">
+            <a:spAutoFit/>
+          </a:bodyPr>
+          <a:lstStyle/>
+          <a:p>
+            <a:pPr algn="l">
+              <a:defRPr sz="1000" b="0">
+                <a:solidFill>
+                  <a:srgbClr val="475569"/>
+                </a:solidFill>
+                <a:latin typeface="IPAPGothic"/>
+                <a:ea typeface="IPAPGothic"/>
+              </a:defRPr>
+            </a:pPr>
+            <a:r>
+              <a:rPr sz="1000" b="0">
+                <a:solidFill>
+                  <a:srgbClr val="475569"/>
+                </a:solidFill>
+                <a:latin typeface="IPAPGothic"/>
+              </a:rPr>
+              <a:t>• 学生に「未来の自分との対話」を届けられるようになる。就活ではなく軸活。</a:t>
+            </a:r>
+          </a:p>
+        </p:txBody>
+      </p:sp>
+      <p:sp>
+        <p:nvSpPr>
+          <p:cNvPr id="14" name="TextBox 13"/>
+          <p:cNvSpPr txBox="1"/>
+          <p:nvPr/>
+        </p:nvSpPr>
+        <p:spPr>
+          <a:xfrm>
+            <a:off x="4892040" y="3474720"/>
+            <a:ext cx="3657600" cy="868680"/>
+          </a:xfrm>
+          <a:prstGeom prst="rect">
+            <a:avLst/>
+          </a:prstGeom>
+          <a:noFill/>
+        </p:spPr>
+        <p:txBody>
+          <a:bodyPr wrap="square" anchor="t">
+            <a:spAutoFit/>
+          </a:bodyPr>
+          <a:lstStyle/>
+          <a:p>
+            <a:pPr algn="l">
+              <a:defRPr sz="1000" b="0">
+                <a:solidFill>
+                  <a:srgbClr val="475569"/>
+                </a:solidFill>
+                <a:latin typeface="IPAPGothic"/>
+                <a:ea typeface="IPAPGothic"/>
+              </a:defRPr>
+            </a:pPr>
+            <a:r>
+              <a:rPr sz="1000" b="0">
+                <a:solidFill>
+                  <a:srgbClr val="475569"/>
+                </a:solidFill>
+                <a:latin typeface="IPAPGothic"/>
+              </a:rPr>
+              <a:t>• 建学の精神を三層に永続化。創立者の志が世代を超えて教育の原点を守る。</a:t>
+            </a:r>
+          </a:p>
+        </p:txBody>
+      </p:sp>
+      <p:sp>
+        <p:nvSpPr>
+          <p:cNvPr id="15" name="Rectangle 14"/>
+          <p:cNvSpPr/>
+          <p:nvPr/>
+        </p:nvSpPr>
+        <p:spPr>
+          <a:xfrm>
+            <a:off x="0" y="4800600"/>
+            <a:ext cx="9144000" cy="9144"/>
+          </a:xfrm>
+          <a:prstGeom prst="rect">
+            <a:avLst/>
+          </a:prstGeom>
+          <a:solidFill>
+            <a:srgbClr val="94A3B8"/>
+          </a:solidFill>
+          <a:ln>
+            <a:noFill/>
+          </a:ln>
+        </p:spPr>
+        <p:style>
+          <a:lnRef idx="1">
+            <a:schemeClr val="accent1"/>
+          </a:lnRef>
+          <a:fillRef idx="3">
+            <a:schemeClr val="accent1"/>
+          </a:fillRef>
+          <a:effectRef idx="2">
+            <a:schemeClr val="accent1"/>
+          </a:effectRef>
+          <a:fontRef idx="minor">
+            <a:schemeClr val="lt1"/>
+          </a:fontRef>
+        </p:style>
+        <p:txBody>
+          <a:bodyPr rtlCol="0" anchor="ctr"/>
+          <a:lstStyle/>
+          <a:p>
+            <a:pPr algn="ctr"/>
+          </a:p>
+        </p:txBody>
+      </p:sp>
+      <p:sp>
+        <p:nvSpPr>
+          <p:cNvPr id="16" name="TextBox 15"/>
+          <p:cNvSpPr txBox="1"/>
+          <p:nvPr/>
+        </p:nvSpPr>
+        <p:spPr>
+          <a:xfrm>
+            <a:off x="457200" y="4818888"/>
+            <a:ext cx="3657600" cy="274320"/>
+          </a:xfrm>
+          <a:prstGeom prst="rect">
+            <a:avLst/>
+          </a:prstGeom>
+          <a:noFill/>
+        </p:spPr>
+        <p:txBody>
+          <a:bodyPr wrap="square" anchor="t">
+            <a:spAutoFit/>
+          </a:bodyPr>
+          <a:lstStyle/>
+          <a:p>
+            <a:pPr algn="l">
+              <a:defRPr sz="900" b="0">
+                <a:solidFill>
+                  <a:srgbClr val="94A3B8"/>
+                </a:solidFill>
+                <a:latin typeface="IPAPGothic"/>
+                <a:ea typeface="IPAPGothic"/>
+              </a:defRPr>
+            </a:pPr>
+            <a:r>
+              <a:rPr sz="900" b="0">
+                <a:solidFill>
+                  <a:srgbClr val="94A3B8"/>
+                </a:solidFill>
+                <a:latin typeface="IPAPGothic"/>
+              </a:rPr>
+              <a:t>Timeless Coach — 企業・団体導入</a:t>
+            </a:r>
+          </a:p>
+        </p:txBody>
+      </p:sp>
+      <p:sp>
+        <p:nvSpPr>
+          <p:cNvPr id="17" name="TextBox 16"/>
+          <p:cNvSpPr txBox="1"/>
+          <p:nvPr/>
+        </p:nvSpPr>
+        <p:spPr>
+          <a:xfrm>
+            <a:off x="3657600" y="4818888"/>
+            <a:ext cx="1828800" cy="274320"/>
+          </a:xfrm>
+          <a:prstGeom prst="rect">
+            <a:avLst/>
+          </a:prstGeom>
+          <a:noFill/>
+        </p:spPr>
+        <p:txBody>
+          <a:bodyPr wrap="square" anchor="t">
+            <a:spAutoFit/>
+          </a:bodyPr>
+          <a:lstStyle/>
+          <a:p>
+            <a:pPr algn="ctr">
+              <a:defRPr sz="900" b="0">
+                <a:solidFill>
+                  <a:srgbClr val="94A3B8"/>
+                </a:solidFill>
+                <a:latin typeface="IPAPGothic"/>
+                <a:ea typeface="IPAPGothic"/>
+              </a:defRPr>
+            </a:pPr>
+            <a:r>
+              <a:rPr sz="900" b="0">
+                <a:solidFill>
+                  <a:srgbClr val="94A3B8"/>
+                </a:solidFill>
+                <a:latin typeface="IPAPGothic"/>
+              </a:rPr>
+              <a:t>Confidential</a:t>
+            </a:r>
+          </a:p>
+        </p:txBody>
+      </p:sp>
+      <p:sp>
+        <p:nvSpPr>
+          <p:cNvPr id="18" name="TextBox 17"/>
+          <p:cNvSpPr txBox="1"/>
+          <p:nvPr/>
+        </p:nvSpPr>
+        <p:spPr>
+          <a:xfrm>
+            <a:off x="8229600" y="4818888"/>
+            <a:ext cx="457200" cy="274320"/>
+          </a:xfrm>
+          <a:prstGeom prst="rect">
+            <a:avLst/>
+          </a:prstGeom>
+          <a:noFill/>
+        </p:spPr>
+        <p:txBody>
+          <a:bodyPr wrap="square" anchor="t">
+            <a:spAutoFit/>
+          </a:bodyPr>
+          <a:lstStyle/>
+          <a:p>
+            <a:pPr algn="r">
+              <a:defRPr sz="900" b="1">
+                <a:solidFill>
+                  <a:srgbClr val="94A3B8"/>
+                </a:solidFill>
+                <a:latin typeface="IPAPGothic"/>
+                <a:ea typeface="IPAPGothic"/>
+              </a:defRPr>
+            </a:pPr>
+            <a:r>
+              <a:rPr sz="900" b="1">
+                <a:solidFill>
+                  <a:srgbClr val="94A3B8"/>
+                </a:solidFill>
+                <a:latin typeface="IPAPGothic"/>
+              </a:rPr>
+              <a:t>10</a:t>
+            </a:r>
+          </a:p>
+        </p:txBody>
+      </p:sp>
+    </p:spTree>
+  </p:cSld>
+  <p:clrMapOvr>
+    <a:masterClrMapping/>
+  </p:clrMapOvr>
+</p:sld>
+</file>
+
+<file path=ppt/slides/slide16.xml><?xml version="1.0" encoding="utf-8"?>
+<p:sld xmlns:a="http://schemas.openxmlformats.org/drawingml/2006/main" xmlns:p="http://schemas.openxmlformats.org/presentationml/2006/main" xmlns:r="http://schemas.openxmlformats.org/officeDocument/2006/relationships">
+  <p:cSld>
+    <p:spTree>
+      <p:nvGrpSpPr>
+        <p:cNvPr id="1" name=""/>
+        <p:cNvGrpSpPr/>
+        <p:nvPr/>
+      </p:nvGrpSpPr>
+      <p:grpSpPr/>
+      <p:sp>
+        <p:nvSpPr>
+          <p:cNvPr id="2" name="Rectangle 1"/>
+          <p:cNvSpPr/>
+          <p:nvPr/>
+        </p:nvSpPr>
+        <p:spPr>
+          <a:xfrm>
+            <a:off x="0" y="0"/>
+            <a:ext cx="9144000" cy="594360"/>
+          </a:xfrm>
+          <a:prstGeom prst="rect">
+            <a:avLst/>
+          </a:prstGeom>
+          <a:solidFill>
+            <a:srgbClr val="1E293B"/>
+          </a:solidFill>
+          <a:ln>
+            <a:noFill/>
+          </a:ln>
+        </p:spPr>
+        <p:style>
+          <a:lnRef idx="1">
+            <a:schemeClr val="accent1"/>
+          </a:lnRef>
+          <a:fillRef idx="3">
+            <a:schemeClr val="accent1"/>
+          </a:fillRef>
+          <a:effectRef idx="2">
+            <a:schemeClr val="accent1"/>
+          </a:effectRef>
+          <a:fontRef idx="minor">
+            <a:schemeClr val="lt1"/>
+          </a:fontRef>
+        </p:style>
+        <p:txBody>
+          <a:bodyPr rtlCol="0" anchor="ctr"/>
+          <a:lstStyle/>
+          <a:p>
+            <a:pPr algn="ctr"/>
+          </a:p>
+        </p:txBody>
+      </p:sp>
+      <p:sp>
+        <p:nvSpPr>
+          <p:cNvPr id="3" name="TextBox 2"/>
+          <p:cNvSpPr txBox="1"/>
+          <p:nvPr/>
+        </p:nvSpPr>
+        <p:spPr>
+          <a:xfrm>
+            <a:off x="457200" y="0"/>
+            <a:ext cx="8229600" cy="594360"/>
+          </a:xfrm>
+          <a:prstGeom prst="rect">
+            <a:avLst/>
+          </a:prstGeom>
+          <a:noFill/>
+        </p:spPr>
+        <p:txBody>
+          <a:bodyPr wrap="square" anchor="ctr">
+            <a:spAutoFit/>
+          </a:bodyPr>
+          <a:lstStyle/>
+          <a:p>
+            <a:pPr algn="l">
+              <a:defRPr sz="1200" b="1">
+                <a:solidFill>
+                  <a:srgbClr val="FFFFFF"/>
+                </a:solidFill>
+                <a:latin typeface="IPAPGothic"/>
+                <a:ea typeface="IPAPGothic"/>
+              </a:defRPr>
+            </a:pPr>
+            <a:r>
+              <a:rPr sz="1200" b="1">
+                <a:solidFill>
+                  <a:srgbClr val="FFFFFF"/>
+                </a:solidFill>
+                <a:latin typeface="IPAPGothic"/>
+              </a:rPr>
+              <a:t>使命感だけでは、人は燃え尽きる。軸があれば、立ち続けられる</a:t>
+            </a:r>
+          </a:p>
+        </p:txBody>
+      </p:sp>
+      <p:sp>
+        <p:nvSpPr>
+          <p:cNvPr id="4" name="TextBox 3"/>
+          <p:cNvSpPr txBox="1"/>
+          <p:nvPr/>
+        </p:nvSpPr>
+        <p:spPr>
+          <a:xfrm>
+            <a:off x="457200" y="731520"/>
+            <a:ext cx="4572000" cy="274320"/>
+          </a:xfrm>
+          <a:prstGeom prst="rect">
+            <a:avLst/>
+          </a:prstGeom>
+          <a:noFill/>
+        </p:spPr>
+        <p:txBody>
+          <a:bodyPr wrap="square" anchor="t">
+            <a:spAutoFit/>
+          </a:bodyPr>
+          <a:lstStyle/>
+          <a:p>
+            <a:pPr algn="l">
+              <a:defRPr sz="1000" b="1">
+                <a:solidFill>
+                  <a:srgbClr val="2563EB"/>
+                </a:solidFill>
+                <a:latin typeface="IPAPGothic"/>
+                <a:ea typeface="IPAPGothic"/>
+              </a:defRPr>
+            </a:pPr>
+            <a:r>
+              <a:rPr sz="1000" b="1">
+                <a:solidFill>
+                  <a:srgbClr val="2563EB"/>
+                </a:solidFill>
+                <a:latin typeface="IPAPGothic"/>
+              </a:rPr>
+              <a:t>FOR: 医療・福祉法人</a:t>
+            </a:r>
+          </a:p>
+        </p:txBody>
+      </p:sp>
+      <p:sp>
+        <p:nvSpPr>
+          <p:cNvPr id="5" name="Rectangle 4"/>
+          <p:cNvSpPr/>
+          <p:nvPr/>
+        </p:nvSpPr>
+        <p:spPr>
+          <a:xfrm>
+            <a:off x="457200" y="1051560"/>
+            <a:ext cx="3931920" cy="3566160"/>
+          </a:xfrm>
+          <a:prstGeom prst="rect">
+            <a:avLst/>
+          </a:prstGeom>
+          <a:solidFill>
+            <a:srgbClr val="F8FAFC"/>
+          </a:solidFill>
+          <a:ln>
+            <a:noFill/>
+          </a:ln>
+        </p:spPr>
+        <p:style>
+          <a:lnRef idx="1">
+            <a:schemeClr val="accent1"/>
+          </a:lnRef>
+          <a:fillRef idx="3">
+            <a:schemeClr val="accent1"/>
+          </a:fillRef>
+          <a:effectRef idx="2">
+            <a:schemeClr val="accent1"/>
+          </a:effectRef>
+          <a:fontRef idx="minor">
+            <a:schemeClr val="lt1"/>
+          </a:fontRef>
+        </p:style>
+        <p:txBody>
+          <a:bodyPr rtlCol="0" anchor="ctr"/>
+          <a:lstStyle/>
+          <a:p>
+            <a:pPr algn="ctr"/>
+          </a:p>
+        </p:txBody>
+      </p:sp>
+      <p:sp>
+        <p:nvSpPr>
+          <p:cNvPr id="6" name="TextBox 5"/>
+          <p:cNvSpPr txBox="1"/>
+          <p:nvPr/>
+        </p:nvSpPr>
+        <p:spPr>
+          <a:xfrm>
+            <a:off x="594360" y="1143000"/>
+            <a:ext cx="3657600" cy="274320"/>
+          </a:xfrm>
+          <a:prstGeom prst="rect">
+            <a:avLst/>
+          </a:prstGeom>
+          <a:noFill/>
+        </p:spPr>
+        <p:txBody>
+          <a:bodyPr wrap="square" anchor="t">
+            <a:spAutoFit/>
+          </a:bodyPr>
+          <a:lstStyle/>
+          <a:p>
+            <a:pPr algn="l">
+              <a:defRPr sz="1100" b="1">
+                <a:solidFill>
+                  <a:srgbClr val="1E293B"/>
+                </a:solidFill>
+                <a:latin typeface="IPAPGothic"/>
+                <a:ea typeface="IPAPGothic"/>
+              </a:defRPr>
+            </a:pPr>
+            <a:r>
+              <a:rPr sz="1100" b="1">
+                <a:solidFill>
+                  <a:srgbClr val="1E293B"/>
+                </a:solidFill>
+                <a:latin typeface="IPAPGothic"/>
+              </a:rPr>
+              <a:t>この業界の課題</a:t>
+            </a:r>
+          </a:p>
+        </p:txBody>
+      </p:sp>
+      <p:sp>
+        <p:nvSpPr>
+          <p:cNvPr id="7" name="TextBox 6"/>
+          <p:cNvSpPr txBox="1"/>
+          <p:nvPr/>
+        </p:nvSpPr>
+        <p:spPr>
+          <a:xfrm>
+            <a:off x="594360" y="1554480"/>
+            <a:ext cx="3657600" cy="868680"/>
+          </a:xfrm>
+          <a:prstGeom prst="rect">
+            <a:avLst/>
+          </a:prstGeom>
+          <a:noFill/>
+        </p:spPr>
+        <p:txBody>
+          <a:bodyPr wrap="square" anchor="t">
+            <a:spAutoFit/>
+          </a:bodyPr>
+          <a:lstStyle/>
+          <a:p>
+            <a:pPr algn="l">
+              <a:defRPr sz="1000" b="0">
+                <a:solidFill>
+                  <a:srgbClr val="475569"/>
+                </a:solidFill>
+                <a:latin typeface="IPAPGothic"/>
+                <a:ea typeface="IPAPGothic"/>
+              </a:defRPr>
+            </a:pPr>
+            <a:r>
+              <a:rPr sz="1000" b="0">
+                <a:solidFill>
+                  <a:srgbClr val="475569"/>
+                </a:solidFill>
+                <a:latin typeface="IPAPGothic"/>
+              </a:rPr>
+              <a:t>• スタッフのバーンアウト率が高い。使命感に頼る構造が限界を迎えている。</a:t>
+            </a:r>
+          </a:p>
+        </p:txBody>
+      </p:sp>
+      <p:sp>
+        <p:nvSpPr>
+          <p:cNvPr id="8" name="TextBox 7"/>
+          <p:cNvSpPr txBox="1"/>
+          <p:nvPr/>
+        </p:nvSpPr>
+        <p:spPr>
+          <a:xfrm>
+            <a:off x="594360" y="2514600"/>
+            <a:ext cx="3657600" cy="868680"/>
+          </a:xfrm>
+          <a:prstGeom prst="rect">
+            <a:avLst/>
+          </a:prstGeom>
+          <a:noFill/>
+        </p:spPr>
+        <p:txBody>
+          <a:bodyPr wrap="square" anchor="t">
+            <a:spAutoFit/>
+          </a:bodyPr>
+          <a:lstStyle/>
+          <a:p>
+            <a:pPr algn="l">
+              <a:defRPr sz="1000" b="0">
+                <a:solidFill>
+                  <a:srgbClr val="475569"/>
+                </a:solidFill>
+                <a:latin typeface="IPAPGothic"/>
+                <a:ea typeface="IPAPGothic"/>
+              </a:defRPr>
+            </a:pPr>
+            <a:r>
+              <a:rPr sz="1000" b="0">
+                <a:solidFill>
+                  <a:srgbClr val="475569"/>
+                </a:solidFill>
+                <a:latin typeface="IPAPGothic"/>
+              </a:rPr>
+              <a:t>• 「なぜこの仕事をするのか」が日常業務の忙しさに埋もれてしまう。</a:t>
+            </a:r>
+          </a:p>
+        </p:txBody>
+      </p:sp>
+      <p:sp>
+        <p:nvSpPr>
+          <p:cNvPr id="9" name="TextBox 8"/>
+          <p:cNvSpPr txBox="1"/>
+          <p:nvPr/>
+        </p:nvSpPr>
+        <p:spPr>
+          <a:xfrm>
+            <a:off x="594360" y="3474720"/>
+            <a:ext cx="3657600" cy="868680"/>
+          </a:xfrm>
+          <a:prstGeom prst="rect">
+            <a:avLst/>
+          </a:prstGeom>
+          <a:noFill/>
+        </p:spPr>
+        <p:txBody>
+          <a:bodyPr wrap="square" anchor="t">
+            <a:spAutoFit/>
+          </a:bodyPr>
+          <a:lstStyle/>
+          <a:p>
+            <a:pPr algn="l">
+              <a:defRPr sz="1000" b="0">
+                <a:solidFill>
+                  <a:srgbClr val="475569"/>
+                </a:solidFill>
+                <a:latin typeface="IPAPGothic"/>
+                <a:ea typeface="IPAPGothic"/>
+              </a:defRPr>
+            </a:pPr>
+            <a:r>
+              <a:rPr sz="1000" b="0">
+                <a:solidFill>
+                  <a:srgbClr val="475569"/>
+                </a:solidFill>
+                <a:latin typeface="IPAPGothic"/>
+              </a:rPr>
+              <a:t>• 離職率が高く、組織の理念が人の入れ替わりとともに断絶する。</a:t>
+            </a:r>
+          </a:p>
+        </p:txBody>
+      </p:sp>
+      <p:sp>
+        <p:nvSpPr>
+          <p:cNvPr id="10" name="Rectangle 9"/>
+          <p:cNvSpPr/>
+          <p:nvPr/>
+        </p:nvSpPr>
+        <p:spPr>
+          <a:xfrm>
+            <a:off x="4754880" y="1051560"/>
+            <a:ext cx="3931920" cy="3566160"/>
+          </a:xfrm>
+          <a:prstGeom prst="rect">
+            <a:avLst/>
+          </a:prstGeom>
+          <a:solidFill>
+            <a:srgbClr val="F8FAFC"/>
+          </a:solidFill>
+          <a:ln>
+            <a:noFill/>
+          </a:ln>
+        </p:spPr>
+        <p:style>
+          <a:lnRef idx="1">
+            <a:schemeClr val="accent1"/>
+          </a:lnRef>
+          <a:fillRef idx="3">
+            <a:schemeClr val="accent1"/>
+          </a:fillRef>
+          <a:effectRef idx="2">
+            <a:schemeClr val="accent1"/>
+          </a:effectRef>
+          <a:fontRef idx="minor">
+            <a:schemeClr val="lt1"/>
+          </a:fontRef>
+        </p:style>
+        <p:txBody>
+          <a:bodyPr rtlCol="0" anchor="ctr"/>
+          <a:lstStyle/>
+          <a:p>
+            <a:pPr algn="ctr"/>
+          </a:p>
+        </p:txBody>
+      </p:sp>
+      <p:sp>
+        <p:nvSpPr>
+          <p:cNvPr id="11" name="TextBox 10"/>
+          <p:cNvSpPr txBox="1"/>
+          <p:nvPr/>
+        </p:nvSpPr>
+        <p:spPr>
+          <a:xfrm>
+            <a:off x="4892040" y="1143000"/>
+            <a:ext cx="3657600" cy="274320"/>
+          </a:xfrm>
+          <a:prstGeom prst="rect">
+            <a:avLst/>
+          </a:prstGeom>
+          <a:noFill/>
+        </p:spPr>
+        <p:txBody>
+          <a:bodyPr wrap="square" anchor="t">
+            <a:spAutoFit/>
+          </a:bodyPr>
+          <a:lstStyle/>
+          <a:p>
+            <a:pPr algn="l">
+              <a:defRPr sz="1100" b="1">
+                <a:solidFill>
+                  <a:srgbClr val="1E293B"/>
+                </a:solidFill>
+                <a:latin typeface="IPAPGothic"/>
+                <a:ea typeface="IPAPGothic"/>
+              </a:defRPr>
+            </a:pPr>
+            <a:r>
+              <a:rPr sz="1100" b="1">
+                <a:solidFill>
+                  <a:srgbClr val="1E293B"/>
+                </a:solidFill>
+                <a:latin typeface="IPAPGothic"/>
+              </a:rPr>
+              <a:t>このプログラムで実現すること</a:t>
+            </a:r>
+          </a:p>
+        </p:txBody>
+      </p:sp>
+      <p:sp>
+        <p:nvSpPr>
+          <p:cNvPr id="12" name="TextBox 11"/>
+          <p:cNvSpPr txBox="1"/>
+          <p:nvPr/>
+        </p:nvSpPr>
+        <p:spPr>
+          <a:xfrm>
+            <a:off x="4892040" y="1554480"/>
+            <a:ext cx="3657600" cy="868680"/>
+          </a:xfrm>
+          <a:prstGeom prst="rect">
+            <a:avLst/>
+          </a:prstGeom>
+          <a:noFill/>
+        </p:spPr>
+        <p:txBody>
+          <a:bodyPr wrap="square" anchor="t">
+            <a:spAutoFit/>
+          </a:bodyPr>
+          <a:lstStyle/>
+          <a:p>
+            <a:pPr algn="l">
+              <a:defRPr sz="1000" b="0">
+                <a:solidFill>
+                  <a:srgbClr val="475569"/>
+                </a:solidFill>
+                <a:latin typeface="IPAPGothic"/>
+                <a:ea typeface="IPAPGothic"/>
+              </a:defRPr>
+            </a:pPr>
+            <a:r>
+              <a:rPr sz="1000" b="0">
+                <a:solidFill>
+                  <a:srgbClr val="475569"/>
+                </a:solidFill>
+                <a:latin typeface="IPAPGothic"/>
+              </a:rPr>
+              <a:t>• スタッフ一人ひとりの「軸」を言語化。使命感を支える構造として永続化する。</a:t>
+            </a:r>
+          </a:p>
+        </p:txBody>
+      </p:sp>
+      <p:sp>
+        <p:nvSpPr>
+          <p:cNvPr id="13" name="TextBox 12"/>
+          <p:cNvSpPr txBox="1"/>
+          <p:nvPr/>
+        </p:nvSpPr>
+        <p:spPr>
+          <a:xfrm>
+            <a:off x="4892040" y="2514600"/>
+            <a:ext cx="3657600" cy="868680"/>
+          </a:xfrm>
+          <a:prstGeom prst="rect">
+            <a:avLst/>
+          </a:prstGeom>
+          <a:noFill/>
+        </p:spPr>
+        <p:txBody>
+          <a:bodyPr wrap="square" anchor="t">
+            <a:spAutoFit/>
+          </a:bodyPr>
+          <a:lstStyle/>
+          <a:p>
+            <a:pPr algn="l">
+              <a:defRPr sz="1000" b="0">
+                <a:solidFill>
+                  <a:srgbClr val="475569"/>
+                </a:solidFill>
+                <a:latin typeface="IPAPGothic"/>
+                <a:ea typeface="IPAPGothic"/>
+              </a:defRPr>
+            </a:pPr>
+            <a:r>
+              <a:rPr sz="1000" b="0">
+                <a:solidFill>
+                  <a:srgbClr val="475569"/>
+                </a:solidFill>
+                <a:latin typeface="IPAPGothic"/>
+              </a:rPr>
+              <a:t>• 三層永続化により「いつでも原点に戻れる」仕組みを構築。消えないから効く。</a:t>
+            </a:r>
+          </a:p>
+        </p:txBody>
+      </p:sp>
+      <p:sp>
+        <p:nvSpPr>
+          <p:cNvPr id="14" name="TextBox 13"/>
+          <p:cNvSpPr txBox="1"/>
+          <p:nvPr/>
+        </p:nvSpPr>
+        <p:spPr>
+          <a:xfrm>
+            <a:off x="4892040" y="3474720"/>
+            <a:ext cx="3657600" cy="868680"/>
+          </a:xfrm>
+          <a:prstGeom prst="rect">
+            <a:avLst/>
+          </a:prstGeom>
+          <a:noFill/>
+        </p:spPr>
+        <p:txBody>
+          <a:bodyPr wrap="square" anchor="t">
+            <a:spAutoFit/>
+          </a:bodyPr>
+          <a:lstStyle/>
+          <a:p>
+            <a:pPr algn="l">
+              <a:defRPr sz="1000" b="0">
+                <a:solidFill>
+                  <a:srgbClr val="475569"/>
+                </a:solidFill>
+                <a:latin typeface="IPAPGothic"/>
+                <a:ea typeface="IPAPGothic"/>
+              </a:defRPr>
+            </a:pPr>
+            <a:r>
+              <a:rPr sz="1000" b="0">
+                <a:solidFill>
+                  <a:srgbClr val="475569"/>
+                </a:solidFill>
+                <a:latin typeface="IPAPGothic"/>
+              </a:rPr>
+              <a:t>• 認定コーチが院内で「問い」の文化を継続的に維持。離職しても軸は残る。</a:t>
+            </a:r>
+          </a:p>
+        </p:txBody>
+      </p:sp>
+      <p:sp>
+        <p:nvSpPr>
+          <p:cNvPr id="15" name="Rectangle 14"/>
+          <p:cNvSpPr/>
+          <p:nvPr/>
+        </p:nvSpPr>
+        <p:spPr>
+          <a:xfrm>
+            <a:off x="0" y="4800600"/>
+            <a:ext cx="9144000" cy="9144"/>
+          </a:xfrm>
+          <a:prstGeom prst="rect">
+            <a:avLst/>
+          </a:prstGeom>
+          <a:solidFill>
+            <a:srgbClr val="94A3B8"/>
+          </a:solidFill>
+          <a:ln>
+            <a:noFill/>
+          </a:ln>
+        </p:spPr>
+        <p:style>
+          <a:lnRef idx="1">
+            <a:schemeClr val="accent1"/>
+          </a:lnRef>
+          <a:fillRef idx="3">
+            <a:schemeClr val="accent1"/>
+          </a:fillRef>
+          <a:effectRef idx="2">
+            <a:schemeClr val="accent1"/>
+          </a:effectRef>
+          <a:fontRef idx="minor">
+            <a:schemeClr val="lt1"/>
+          </a:fontRef>
+        </p:style>
+        <p:txBody>
+          <a:bodyPr rtlCol="0" anchor="ctr"/>
+          <a:lstStyle/>
+          <a:p>
+            <a:pPr algn="ctr"/>
+          </a:p>
+        </p:txBody>
+      </p:sp>
+      <p:sp>
+        <p:nvSpPr>
+          <p:cNvPr id="16" name="TextBox 15"/>
+          <p:cNvSpPr txBox="1"/>
+          <p:nvPr/>
+        </p:nvSpPr>
+        <p:spPr>
+          <a:xfrm>
+            <a:off x="457200" y="4818888"/>
+            <a:ext cx="3657600" cy="274320"/>
+          </a:xfrm>
+          <a:prstGeom prst="rect">
+            <a:avLst/>
+          </a:prstGeom>
+          <a:noFill/>
+        </p:spPr>
+        <p:txBody>
+          <a:bodyPr wrap="square" anchor="t">
+            <a:spAutoFit/>
+          </a:bodyPr>
+          <a:lstStyle/>
+          <a:p>
+            <a:pPr algn="l">
+              <a:defRPr sz="900" b="0">
+                <a:solidFill>
+                  <a:srgbClr val="94A3B8"/>
+                </a:solidFill>
+                <a:latin typeface="IPAPGothic"/>
+                <a:ea typeface="IPAPGothic"/>
+              </a:defRPr>
+            </a:pPr>
+            <a:r>
+              <a:rPr sz="900" b="0">
+                <a:solidFill>
+                  <a:srgbClr val="94A3B8"/>
+                </a:solidFill>
+                <a:latin typeface="IPAPGothic"/>
+              </a:rPr>
+              <a:t>Timeless Coach — 企業・団体導入</a:t>
+            </a:r>
+          </a:p>
+        </p:txBody>
+      </p:sp>
+      <p:sp>
+        <p:nvSpPr>
+          <p:cNvPr id="17" name="TextBox 16"/>
+          <p:cNvSpPr txBox="1"/>
+          <p:nvPr/>
+        </p:nvSpPr>
+        <p:spPr>
+          <a:xfrm>
+            <a:off x="3657600" y="4818888"/>
+            <a:ext cx="1828800" cy="274320"/>
+          </a:xfrm>
+          <a:prstGeom prst="rect">
+            <a:avLst/>
+          </a:prstGeom>
+          <a:noFill/>
+        </p:spPr>
+        <p:txBody>
+          <a:bodyPr wrap="square" anchor="t">
+            <a:spAutoFit/>
+          </a:bodyPr>
+          <a:lstStyle/>
+          <a:p>
+            <a:pPr algn="ctr">
+              <a:defRPr sz="900" b="0">
+                <a:solidFill>
+                  <a:srgbClr val="94A3B8"/>
+                </a:solidFill>
+                <a:latin typeface="IPAPGothic"/>
+                <a:ea typeface="IPAPGothic"/>
+              </a:defRPr>
+            </a:pPr>
+            <a:r>
+              <a:rPr sz="900" b="0">
+                <a:solidFill>
+                  <a:srgbClr val="94A3B8"/>
+                </a:solidFill>
+                <a:latin typeface="IPAPGothic"/>
+              </a:rPr>
+              <a:t>Confidential</a:t>
+            </a:r>
+          </a:p>
+        </p:txBody>
+      </p:sp>
+      <p:sp>
+        <p:nvSpPr>
+          <p:cNvPr id="18" name="TextBox 17"/>
+          <p:cNvSpPr txBox="1"/>
+          <p:nvPr/>
+        </p:nvSpPr>
+        <p:spPr>
+          <a:xfrm>
+            <a:off x="8229600" y="4818888"/>
+            <a:ext cx="457200" cy="274320"/>
+          </a:xfrm>
+          <a:prstGeom prst="rect">
+            <a:avLst/>
+          </a:prstGeom>
+          <a:noFill/>
+        </p:spPr>
+        <p:txBody>
+          <a:bodyPr wrap="square" anchor="t">
+            <a:spAutoFit/>
+          </a:bodyPr>
+          <a:lstStyle/>
+          <a:p>
+            <a:pPr algn="r">
+              <a:defRPr sz="900" b="1">
+                <a:solidFill>
+                  <a:srgbClr val="94A3B8"/>
+                </a:solidFill>
+                <a:latin typeface="IPAPGothic"/>
+                <a:ea typeface="IPAPGothic"/>
+              </a:defRPr>
+            </a:pPr>
+            <a:r>
+              <a:rPr sz="900" b="1">
+                <a:solidFill>
+                  <a:srgbClr val="94A3B8"/>
+                </a:solidFill>
+                <a:latin typeface="IPAPGothic"/>
+              </a:rPr>
               <a:t>11</a:t>
+            </a:r>
+          </a:p>
+        </p:txBody>
+      </p:sp>
+    </p:spTree>
+  </p:cSld>
+  <p:clrMapOvr>
+    <a:masterClrMapping/>
+  </p:clrMapOvr>
+</p:sld>
+</file>
+
+<file path=ppt/slides/slide17.xml><?xml version="1.0" encoding="utf-8"?>
+<p:sld xmlns:a="http://schemas.openxmlformats.org/drawingml/2006/main" xmlns:p="http://schemas.openxmlformats.org/presentationml/2006/main" xmlns:r="http://schemas.openxmlformats.org/officeDocument/2006/relationships">
+  <p:cSld>
+    <p:spTree>
+      <p:nvGrpSpPr>
+        <p:cNvPr id="1" name=""/>
+        <p:cNvGrpSpPr/>
+        <p:nvPr/>
+      </p:nvGrpSpPr>
+      <p:grpSpPr/>
+      <p:sp>
+        <p:nvSpPr>
+          <p:cNvPr id="2" name="Rectangle 1"/>
+          <p:cNvSpPr/>
+          <p:nvPr/>
+        </p:nvSpPr>
+        <p:spPr>
+          <a:xfrm>
+            <a:off x="0" y="0"/>
+            <a:ext cx="9144000" cy="594360"/>
+          </a:xfrm>
+          <a:prstGeom prst="rect">
+            <a:avLst/>
+          </a:prstGeom>
+          <a:solidFill>
+            <a:srgbClr val="1E293B"/>
+          </a:solidFill>
+          <a:ln>
+            <a:noFill/>
+          </a:ln>
+        </p:spPr>
+        <p:style>
+          <a:lnRef idx="1">
+            <a:schemeClr val="accent1"/>
+          </a:lnRef>
+          <a:fillRef idx="3">
+            <a:schemeClr val="accent1"/>
+          </a:fillRef>
+          <a:effectRef idx="2">
+            <a:schemeClr val="accent1"/>
+          </a:effectRef>
+          <a:fontRef idx="minor">
+            <a:schemeClr val="lt1"/>
+          </a:fontRef>
+        </p:style>
+        <p:txBody>
+          <a:bodyPr rtlCol="0" anchor="ctr"/>
+          <a:lstStyle/>
+          <a:p>
+            <a:pPr algn="ctr"/>
+          </a:p>
+        </p:txBody>
+      </p:sp>
+      <p:sp>
+        <p:nvSpPr>
+          <p:cNvPr id="3" name="TextBox 2"/>
+          <p:cNvSpPr txBox="1"/>
+          <p:nvPr/>
+        </p:nvSpPr>
+        <p:spPr>
+          <a:xfrm>
+            <a:off x="457200" y="0"/>
+            <a:ext cx="8229600" cy="594360"/>
+          </a:xfrm>
+          <a:prstGeom prst="rect">
+            <a:avLst/>
+          </a:prstGeom>
+          <a:noFill/>
+        </p:spPr>
+        <p:txBody>
+          <a:bodyPr wrap="square" anchor="ctr">
+            <a:spAutoFit/>
+          </a:bodyPr>
+          <a:lstStyle/>
+          <a:p>
+            <a:pPr algn="l">
+              <a:defRPr sz="1200" b="1">
+                <a:solidFill>
+                  <a:srgbClr val="FFFFFF"/>
+                </a:solidFill>
+                <a:latin typeface="IPAPGothic"/>
+                <a:ea typeface="IPAPGothic"/>
+              </a:defRPr>
+            </a:pPr>
+            <a:r>
+              <a:rPr sz="1200" b="1">
+                <a:solidFill>
+                  <a:srgbClr val="FFFFFF"/>
+                </a:solidFill>
+                <a:latin typeface="IPAPGothic"/>
+              </a:rPr>
+              <a:t>まちの精神は、首長の任期で途切れてはならない</a:t>
+            </a:r>
+          </a:p>
+        </p:txBody>
+      </p:sp>
+      <p:sp>
+        <p:nvSpPr>
+          <p:cNvPr id="4" name="TextBox 3"/>
+          <p:cNvSpPr txBox="1"/>
+          <p:nvPr/>
+        </p:nvSpPr>
+        <p:spPr>
+          <a:xfrm>
+            <a:off x="457200" y="731520"/>
+            <a:ext cx="4572000" cy="274320"/>
+          </a:xfrm>
+          <a:prstGeom prst="rect">
+            <a:avLst/>
+          </a:prstGeom>
+          <a:noFill/>
+        </p:spPr>
+        <p:txBody>
+          <a:bodyPr wrap="square" anchor="t">
+            <a:spAutoFit/>
+          </a:bodyPr>
+          <a:lstStyle/>
+          <a:p>
+            <a:pPr algn="l">
+              <a:defRPr sz="1000" b="1">
+                <a:solidFill>
+                  <a:srgbClr val="2563EB"/>
+                </a:solidFill>
+                <a:latin typeface="IPAPGothic"/>
+                <a:ea typeface="IPAPGothic"/>
+              </a:defRPr>
+            </a:pPr>
+            <a:r>
+              <a:rPr sz="1000" b="1">
+                <a:solidFill>
+                  <a:srgbClr val="2563EB"/>
+                </a:solidFill>
+                <a:latin typeface="IPAPGothic"/>
+              </a:rPr>
+              <a:t>FOR: 自治体・公共団体</a:t>
+            </a:r>
+          </a:p>
+        </p:txBody>
+      </p:sp>
+      <p:sp>
+        <p:nvSpPr>
+          <p:cNvPr id="5" name="Rectangle 4"/>
+          <p:cNvSpPr/>
+          <p:nvPr/>
+        </p:nvSpPr>
+        <p:spPr>
+          <a:xfrm>
+            <a:off x="457200" y="1051560"/>
+            <a:ext cx="3931920" cy="3566160"/>
+          </a:xfrm>
+          <a:prstGeom prst="rect">
+            <a:avLst/>
+          </a:prstGeom>
+          <a:solidFill>
+            <a:srgbClr val="F8FAFC"/>
+          </a:solidFill>
+          <a:ln>
+            <a:noFill/>
+          </a:ln>
+        </p:spPr>
+        <p:style>
+          <a:lnRef idx="1">
+            <a:schemeClr val="accent1"/>
+          </a:lnRef>
+          <a:fillRef idx="3">
+            <a:schemeClr val="accent1"/>
+          </a:fillRef>
+          <a:effectRef idx="2">
+            <a:schemeClr val="accent1"/>
+          </a:effectRef>
+          <a:fontRef idx="minor">
+            <a:schemeClr val="lt1"/>
+          </a:fontRef>
+        </p:style>
+        <p:txBody>
+          <a:bodyPr rtlCol="0" anchor="ctr"/>
+          <a:lstStyle/>
+          <a:p>
+            <a:pPr algn="ctr"/>
+          </a:p>
+        </p:txBody>
+      </p:sp>
+      <p:sp>
+        <p:nvSpPr>
+          <p:cNvPr id="6" name="TextBox 5"/>
+          <p:cNvSpPr txBox="1"/>
+          <p:nvPr/>
+        </p:nvSpPr>
+        <p:spPr>
+          <a:xfrm>
+            <a:off x="594360" y="1143000"/>
+            <a:ext cx="3657600" cy="274320"/>
+          </a:xfrm>
+          <a:prstGeom prst="rect">
+            <a:avLst/>
+          </a:prstGeom>
+          <a:noFill/>
+        </p:spPr>
+        <p:txBody>
+          <a:bodyPr wrap="square" anchor="t">
+            <a:spAutoFit/>
+          </a:bodyPr>
+          <a:lstStyle/>
+          <a:p>
+            <a:pPr algn="l">
+              <a:defRPr sz="1100" b="1">
+                <a:solidFill>
+                  <a:srgbClr val="1E293B"/>
+                </a:solidFill>
+                <a:latin typeface="IPAPGothic"/>
+                <a:ea typeface="IPAPGothic"/>
+              </a:defRPr>
+            </a:pPr>
+            <a:r>
+              <a:rPr sz="1100" b="1">
+                <a:solidFill>
+                  <a:srgbClr val="1E293B"/>
+                </a:solidFill>
+                <a:latin typeface="IPAPGothic"/>
+              </a:rPr>
+              <a:t>この業界の課題</a:t>
+            </a:r>
+          </a:p>
+        </p:txBody>
+      </p:sp>
+      <p:sp>
+        <p:nvSpPr>
+          <p:cNvPr id="7" name="TextBox 6"/>
+          <p:cNvSpPr txBox="1"/>
+          <p:nvPr/>
+        </p:nvSpPr>
+        <p:spPr>
+          <a:xfrm>
+            <a:off x="594360" y="1554480"/>
+            <a:ext cx="3657600" cy="868680"/>
+          </a:xfrm>
+          <a:prstGeom prst="rect">
+            <a:avLst/>
+          </a:prstGeom>
+          <a:noFill/>
+        </p:spPr>
+        <p:txBody>
+          <a:bodyPr wrap="square" anchor="t">
+            <a:spAutoFit/>
+          </a:bodyPr>
+          <a:lstStyle/>
+          <a:p>
+            <a:pPr algn="l">
+              <a:defRPr sz="1000" b="0">
+                <a:solidFill>
+                  <a:srgbClr val="475569"/>
+                </a:solidFill>
+                <a:latin typeface="IPAPGothic"/>
+                <a:ea typeface="IPAPGothic"/>
+              </a:defRPr>
+            </a:pPr>
+            <a:r>
+              <a:rPr sz="1000" b="0">
+                <a:solidFill>
+                  <a:srgbClr val="475569"/>
+                </a:solidFill>
+                <a:latin typeface="IPAPGothic"/>
+              </a:rPr>
+              <a:t>• 自治体の理念やビジョンが首長の交代で断絶する。継続性がない。</a:t>
+            </a:r>
+          </a:p>
+        </p:txBody>
+      </p:sp>
+      <p:sp>
+        <p:nvSpPr>
+          <p:cNvPr id="8" name="TextBox 7"/>
+          <p:cNvSpPr txBox="1"/>
+          <p:nvPr/>
+        </p:nvSpPr>
+        <p:spPr>
+          <a:xfrm>
+            <a:off x="594360" y="2514600"/>
+            <a:ext cx="3657600" cy="868680"/>
+          </a:xfrm>
+          <a:prstGeom prst="rect">
+            <a:avLst/>
+          </a:prstGeom>
+          <a:noFill/>
+        </p:spPr>
+        <p:txBody>
+          <a:bodyPr wrap="square" anchor="t">
+            <a:spAutoFit/>
+          </a:bodyPr>
+          <a:lstStyle/>
+          <a:p>
+            <a:pPr algn="l">
+              <a:defRPr sz="1000" b="0">
+                <a:solidFill>
+                  <a:srgbClr val="475569"/>
+                </a:solidFill>
+                <a:latin typeface="IPAPGothic"/>
+                <a:ea typeface="IPAPGothic"/>
+              </a:defRPr>
+            </a:pPr>
+            <a:r>
+              <a:rPr sz="1000" b="0">
+                <a:solidFill>
+                  <a:srgbClr val="475569"/>
+                </a:solidFill>
+                <a:latin typeface="IPAPGothic"/>
+              </a:rPr>
+              <a:t>• 災害の教訓、地域の歴史が世代交代とともに風化していく。</a:t>
+            </a:r>
+          </a:p>
+        </p:txBody>
+      </p:sp>
+      <p:sp>
+        <p:nvSpPr>
+          <p:cNvPr id="9" name="TextBox 8"/>
+          <p:cNvSpPr txBox="1"/>
+          <p:nvPr/>
+        </p:nvSpPr>
+        <p:spPr>
+          <a:xfrm>
+            <a:off x="594360" y="3474720"/>
+            <a:ext cx="3657600" cy="868680"/>
+          </a:xfrm>
+          <a:prstGeom prst="rect">
+            <a:avLst/>
+          </a:prstGeom>
+          <a:noFill/>
+        </p:spPr>
+        <p:txBody>
+          <a:bodyPr wrap="square" anchor="t">
+            <a:spAutoFit/>
+          </a:bodyPr>
+          <a:lstStyle/>
+          <a:p>
+            <a:pPr algn="l">
+              <a:defRPr sz="1000" b="0">
+                <a:solidFill>
+                  <a:srgbClr val="475569"/>
+                </a:solidFill>
+                <a:latin typeface="IPAPGothic"/>
+                <a:ea typeface="IPAPGothic"/>
+              </a:defRPr>
+            </a:pPr>
+            <a:r>
+              <a:rPr sz="1000" b="0">
+                <a:solidFill>
+                  <a:srgbClr val="475569"/>
+                </a:solidFill>
+                <a:latin typeface="IPAPGothic"/>
+              </a:rPr>
+              <a:t>• 職員が「公務員」以上の軸を持てず、住民への提供価値が画一化している。</a:t>
+            </a:r>
+          </a:p>
+        </p:txBody>
+      </p:sp>
+      <p:sp>
+        <p:nvSpPr>
+          <p:cNvPr id="10" name="Rectangle 9"/>
+          <p:cNvSpPr/>
+          <p:nvPr/>
+        </p:nvSpPr>
+        <p:spPr>
+          <a:xfrm>
+            <a:off x="4754880" y="1051560"/>
+            <a:ext cx="3931920" cy="3566160"/>
+          </a:xfrm>
+          <a:prstGeom prst="rect">
+            <a:avLst/>
+          </a:prstGeom>
+          <a:solidFill>
+            <a:srgbClr val="F8FAFC"/>
+          </a:solidFill>
+          <a:ln>
+            <a:noFill/>
+          </a:ln>
+        </p:spPr>
+        <p:style>
+          <a:lnRef idx="1">
+            <a:schemeClr val="accent1"/>
+          </a:lnRef>
+          <a:fillRef idx="3">
+            <a:schemeClr val="accent1"/>
+          </a:fillRef>
+          <a:effectRef idx="2">
+            <a:schemeClr val="accent1"/>
+          </a:effectRef>
+          <a:fontRef idx="minor">
+            <a:schemeClr val="lt1"/>
+          </a:fontRef>
+        </p:style>
+        <p:txBody>
+          <a:bodyPr rtlCol="0" anchor="ctr"/>
+          <a:lstStyle/>
+          <a:p>
+            <a:pPr algn="ctr"/>
+          </a:p>
+        </p:txBody>
+      </p:sp>
+      <p:sp>
+        <p:nvSpPr>
+          <p:cNvPr id="11" name="TextBox 10"/>
+          <p:cNvSpPr txBox="1"/>
+          <p:nvPr/>
+        </p:nvSpPr>
+        <p:spPr>
+          <a:xfrm>
+            <a:off x="4892040" y="1143000"/>
+            <a:ext cx="3657600" cy="274320"/>
+          </a:xfrm>
+          <a:prstGeom prst="rect">
+            <a:avLst/>
+          </a:prstGeom>
+          <a:noFill/>
+        </p:spPr>
+        <p:txBody>
+          <a:bodyPr wrap="square" anchor="t">
+            <a:spAutoFit/>
+          </a:bodyPr>
+          <a:lstStyle/>
+          <a:p>
+            <a:pPr algn="l">
+              <a:defRPr sz="1100" b="1">
+                <a:solidFill>
+                  <a:srgbClr val="1E293B"/>
+                </a:solidFill>
+                <a:latin typeface="IPAPGothic"/>
+                <a:ea typeface="IPAPGothic"/>
+              </a:defRPr>
+            </a:pPr>
+            <a:r>
+              <a:rPr sz="1100" b="1">
+                <a:solidFill>
+                  <a:srgbClr val="1E293B"/>
+                </a:solidFill>
+                <a:latin typeface="IPAPGothic"/>
+              </a:rPr>
+              <a:t>このプログラムで実現すること</a:t>
+            </a:r>
+          </a:p>
+        </p:txBody>
+      </p:sp>
+      <p:sp>
+        <p:nvSpPr>
+          <p:cNvPr id="12" name="TextBox 11"/>
+          <p:cNvSpPr txBox="1"/>
+          <p:nvPr/>
+        </p:nvSpPr>
+        <p:spPr>
+          <a:xfrm>
+            <a:off x="4892040" y="1554480"/>
+            <a:ext cx="3657600" cy="868680"/>
+          </a:xfrm>
+          <a:prstGeom prst="rect">
+            <a:avLst/>
+          </a:prstGeom>
+          <a:noFill/>
+        </p:spPr>
+        <p:txBody>
+          <a:bodyPr wrap="square" anchor="t">
+            <a:spAutoFit/>
+          </a:bodyPr>
+          <a:lstStyle/>
+          <a:p>
+            <a:pPr algn="l">
+              <a:defRPr sz="1000" b="0">
+                <a:solidFill>
+                  <a:srgbClr val="475569"/>
+                </a:solidFill>
+                <a:latin typeface="IPAPGothic"/>
+                <a:ea typeface="IPAPGothic"/>
+              </a:defRPr>
+            </a:pPr>
+            <a:r>
+              <a:rPr sz="1000" b="0">
+                <a:solidFill>
+                  <a:srgbClr val="475569"/>
+                </a:solidFill>
+                <a:latin typeface="IPAPGothic"/>
+              </a:rPr>
+              <a:t>• 地域の創設の志・精神を三層に永続化。首長が変わっても、まちの軸は残る。</a:t>
+            </a:r>
+          </a:p>
+        </p:txBody>
+      </p:sp>
+      <p:sp>
+        <p:nvSpPr>
+          <p:cNvPr id="13" name="TextBox 12"/>
+          <p:cNvSpPr txBox="1"/>
+          <p:nvPr/>
+        </p:nvSpPr>
+        <p:spPr>
+          <a:xfrm>
+            <a:off x="4892040" y="2514600"/>
+            <a:ext cx="3657600" cy="868680"/>
+          </a:xfrm>
+          <a:prstGeom prst="rect">
+            <a:avLst/>
+          </a:prstGeom>
+          <a:noFill/>
+        </p:spPr>
+        <p:txBody>
+          <a:bodyPr wrap="square" anchor="t">
+            <a:spAutoFit/>
+          </a:bodyPr>
+          <a:lstStyle/>
+          <a:p>
+            <a:pPr algn="l">
+              <a:defRPr sz="1000" b="0">
+                <a:solidFill>
+                  <a:srgbClr val="475569"/>
+                </a:solidFill>
+                <a:latin typeface="IPAPGothic"/>
+                <a:ea typeface="IPAPGothic"/>
+              </a:defRPr>
+            </a:pPr>
+            <a:r>
+              <a:rPr sz="1000" b="0">
+                <a:solidFill>
+                  <a:srgbClr val="475569"/>
+                </a:solidFill>
+                <a:latin typeface="IPAPGothic"/>
+              </a:rPr>
+              <a:t>• 職員が「問いを立てる人」として住民と向き合える。窓口対応が変わる。</a:t>
+            </a:r>
+          </a:p>
+        </p:txBody>
+      </p:sp>
+      <p:sp>
+        <p:nvSpPr>
+          <p:cNvPr id="14" name="TextBox 13"/>
+          <p:cNvSpPr txBox="1"/>
+          <p:nvPr/>
+        </p:nvSpPr>
+        <p:spPr>
+          <a:xfrm>
+            <a:off x="4892040" y="3474720"/>
+            <a:ext cx="3657600" cy="868680"/>
+          </a:xfrm>
+          <a:prstGeom prst="rect">
+            <a:avLst/>
+          </a:prstGeom>
+          <a:noFill/>
+        </p:spPr>
+        <p:txBody>
+          <a:bodyPr wrap="square" anchor="t">
+            <a:spAutoFit/>
+          </a:bodyPr>
+          <a:lstStyle/>
+          <a:p>
+            <a:pPr algn="l">
+              <a:defRPr sz="1000" b="0">
+                <a:solidFill>
+                  <a:srgbClr val="475569"/>
+                </a:solidFill>
+                <a:latin typeface="IPAPGothic"/>
+                <a:ea typeface="IPAPGothic"/>
+              </a:defRPr>
+            </a:pPr>
+            <a:r>
+              <a:rPr sz="1000" b="0">
+                <a:solidFill>
+                  <a:srgbClr val="475569"/>
+                </a:solidFill>
+                <a:latin typeface="IPAPGothic"/>
+              </a:rPr>
+              <a:t>• 災害の教訓を千年先まで届ける仕組みを構築。石碑は読めなくなるが、三層は残る。</a:t>
+            </a:r>
+          </a:p>
+        </p:txBody>
+      </p:sp>
+      <p:sp>
+        <p:nvSpPr>
+          <p:cNvPr id="15" name="Rectangle 14"/>
+          <p:cNvSpPr/>
+          <p:nvPr/>
+        </p:nvSpPr>
+        <p:spPr>
+          <a:xfrm>
+            <a:off x="0" y="4800600"/>
+            <a:ext cx="9144000" cy="9144"/>
+          </a:xfrm>
+          <a:prstGeom prst="rect">
+            <a:avLst/>
+          </a:prstGeom>
+          <a:solidFill>
+            <a:srgbClr val="94A3B8"/>
+          </a:solidFill>
+          <a:ln>
+            <a:noFill/>
+          </a:ln>
+        </p:spPr>
+        <p:style>
+          <a:lnRef idx="1">
+            <a:schemeClr val="accent1"/>
+          </a:lnRef>
+          <a:fillRef idx="3">
+            <a:schemeClr val="accent1"/>
+          </a:fillRef>
+          <a:effectRef idx="2">
+            <a:schemeClr val="accent1"/>
+          </a:effectRef>
+          <a:fontRef idx="minor">
+            <a:schemeClr val="lt1"/>
+          </a:fontRef>
+        </p:style>
+        <p:txBody>
+          <a:bodyPr rtlCol="0" anchor="ctr"/>
+          <a:lstStyle/>
+          <a:p>
+            <a:pPr algn="ctr"/>
+          </a:p>
+        </p:txBody>
+      </p:sp>
+      <p:sp>
+        <p:nvSpPr>
+          <p:cNvPr id="16" name="TextBox 15"/>
+          <p:cNvSpPr txBox="1"/>
+          <p:nvPr/>
+        </p:nvSpPr>
+        <p:spPr>
+          <a:xfrm>
+            <a:off x="457200" y="4818888"/>
+            <a:ext cx="3657600" cy="274320"/>
+          </a:xfrm>
+          <a:prstGeom prst="rect">
+            <a:avLst/>
+          </a:prstGeom>
+          <a:noFill/>
+        </p:spPr>
+        <p:txBody>
+          <a:bodyPr wrap="square" anchor="t">
+            <a:spAutoFit/>
+          </a:bodyPr>
+          <a:lstStyle/>
+          <a:p>
+            <a:pPr algn="l">
+              <a:defRPr sz="900" b="0">
+                <a:solidFill>
+                  <a:srgbClr val="94A3B8"/>
+                </a:solidFill>
+                <a:latin typeface="IPAPGothic"/>
+                <a:ea typeface="IPAPGothic"/>
+              </a:defRPr>
+            </a:pPr>
+            <a:r>
+              <a:rPr sz="900" b="0">
+                <a:solidFill>
+                  <a:srgbClr val="94A3B8"/>
+                </a:solidFill>
+                <a:latin typeface="IPAPGothic"/>
+              </a:rPr>
+              <a:t>Timeless Coach — 企業・団体導入</a:t>
+            </a:r>
+          </a:p>
+        </p:txBody>
+      </p:sp>
+      <p:sp>
+        <p:nvSpPr>
+          <p:cNvPr id="17" name="TextBox 16"/>
+          <p:cNvSpPr txBox="1"/>
+          <p:nvPr/>
+        </p:nvSpPr>
+        <p:spPr>
+          <a:xfrm>
+            <a:off x="3657600" y="4818888"/>
+            <a:ext cx="1828800" cy="274320"/>
+          </a:xfrm>
+          <a:prstGeom prst="rect">
+            <a:avLst/>
+          </a:prstGeom>
+          <a:noFill/>
+        </p:spPr>
+        <p:txBody>
+          <a:bodyPr wrap="square" anchor="t">
+            <a:spAutoFit/>
+          </a:bodyPr>
+          <a:lstStyle/>
+          <a:p>
+            <a:pPr algn="ctr">
+              <a:defRPr sz="900" b="0">
+                <a:solidFill>
+                  <a:srgbClr val="94A3B8"/>
+                </a:solidFill>
+                <a:latin typeface="IPAPGothic"/>
+                <a:ea typeface="IPAPGothic"/>
+              </a:defRPr>
+            </a:pPr>
+            <a:r>
+              <a:rPr sz="900" b="0">
+                <a:solidFill>
+                  <a:srgbClr val="94A3B8"/>
+                </a:solidFill>
+                <a:latin typeface="IPAPGothic"/>
+              </a:rPr>
+              <a:t>Confidential</a:t>
+            </a:r>
+          </a:p>
+        </p:txBody>
+      </p:sp>
+      <p:sp>
+        <p:nvSpPr>
+          <p:cNvPr id="18" name="TextBox 17"/>
+          <p:cNvSpPr txBox="1"/>
+          <p:nvPr/>
+        </p:nvSpPr>
+        <p:spPr>
+          <a:xfrm>
+            <a:off x="8229600" y="4818888"/>
+            <a:ext cx="457200" cy="274320"/>
+          </a:xfrm>
+          <a:prstGeom prst="rect">
+            <a:avLst/>
+          </a:prstGeom>
+          <a:noFill/>
+        </p:spPr>
+        <p:txBody>
+          <a:bodyPr wrap="square" anchor="t">
+            <a:spAutoFit/>
+          </a:bodyPr>
+          <a:lstStyle/>
+          <a:p>
+            <a:pPr algn="r">
+              <a:defRPr sz="900" b="1">
+                <a:solidFill>
+                  <a:srgbClr val="94A3B8"/>
+                </a:solidFill>
+                <a:latin typeface="IPAPGothic"/>
+                <a:ea typeface="IPAPGothic"/>
+              </a:defRPr>
+            </a:pPr>
+            <a:r>
+              <a:rPr sz="900" b="1">
+                <a:solidFill>
+                  <a:srgbClr val="94A3B8"/>
+                </a:solidFill>
+                <a:latin typeface="IPAPGothic"/>
+              </a:rPr>
+              <a:t>12</a:t>
             </a:r>
           </a:p>
         </p:txBody>
@@ -9965,7 +14465,7 @@
               </a:defRPr>
             </a:pPr>
             <a:r>
-              <a:t>7</a:t>
+              <a:t>13</a:t>
             </a:r>
           </a:p>
         </p:txBody>
@@ -10523,42 +15023,6 @@
       </p:sp>
       <p:sp>
         <p:nvSpPr>
-          <p:cNvPr id="16" name="TextBox 15"/>
-          <p:cNvSpPr txBox="1"/>
-          <p:nvPr/>
-        </p:nvSpPr>
-        <p:spPr>
-          <a:xfrm>
-            <a:off x="457200" y="4572000"/>
-            <a:ext cx="8229600" cy="182880"/>
-          </a:xfrm>
-          <a:prstGeom prst="rect">
-            <a:avLst/>
-          </a:prstGeom>
-          <a:noFill/>
-        </p:spPr>
-        <p:txBody>
-          <a:bodyPr wrap="square">
-            <a:spAutoFit/>
-          </a:bodyPr>
-          <a:lstStyle/>
-          <a:p>
-            <a:pPr algn="ctr">
-              <a:defRPr sz="900" b="0">
-                <a:solidFill>
-                  <a:srgbClr val="94A3B8"/>
-                </a:solidFill>
-                <a:latin typeface="IPAPGothic"/>
-              </a:defRPr>
-            </a:pPr>
-            <a:r>
-              <a:t>※ 個人認定は ¥55,500/人（税込）。団体導入は人数に応じた特別価格をご提案します。</a:t>
-            </a:r>
-          </a:p>
-        </p:txBody>
-      </p:sp>
-      <p:sp>
-        <p:nvSpPr>
           <p:cNvPr id="17" name="Rectangle 16"/>
           <p:cNvSpPr/>
           <p:nvPr/>
@@ -10703,7 +15167,566 @@
               </a:defRPr>
             </a:pPr>
             <a:r>
-              <a:t>8</a:t>
+              <a:t>14</a:t>
+            </a:r>
+          </a:p>
+        </p:txBody>
+      </p:sp>
+      <p:sp>
+        <p:nvSpPr>
+          <p:cNvPr id="21" name="TextBox 20"/>
+          <p:cNvSpPr txBox="1"/>
+          <p:nvPr/>
+        </p:nvSpPr>
+        <p:spPr>
+          <a:xfrm>
+            <a:off x="1645920" y="4160520"/>
+            <a:ext cx="5943600" cy="137160"/>
+          </a:xfrm>
+          <a:prstGeom prst="rect">
+            <a:avLst/>
+          </a:prstGeom>
+          <a:noFill/>
+        </p:spPr>
+        <p:txBody>
+          <a:bodyPr wrap="square" anchor="t">
+            <a:spAutoFit/>
+          </a:bodyPr>
+          <a:lstStyle/>
+          <a:p>
+            <a:pPr algn="l">
+              <a:defRPr sz="900" b="1">
+                <a:solidFill>
+                  <a:srgbClr val="475569"/>
+                </a:solidFill>
+                <a:latin typeface="IPAPGothic"/>
+                <a:ea typeface="IPAPGothic"/>
+              </a:defRPr>
+            </a:pPr>
+            <a:r>
+              <a:rPr sz="900" b="1">
+                <a:solidFill>
+                  <a:srgbClr val="475569"/>
+                </a:solidFill>
+                <a:latin typeface="IPAPGothic"/>
+              </a:rPr>
+              <a:t>参考価格帯（研修設計・ファシリテーション費用込み）</a:t>
+            </a:r>
+          </a:p>
+        </p:txBody>
+      </p:sp>
+      <p:sp>
+        <p:nvSpPr>
+          <p:cNvPr id="22" name="TextBox 21"/>
+          <p:cNvSpPr txBox="1"/>
+          <p:nvPr/>
+        </p:nvSpPr>
+        <p:spPr>
+          <a:xfrm>
+            <a:off x="1828800" y="4315968"/>
+            <a:ext cx="1097280" cy="164592"/>
+          </a:xfrm>
+          <a:prstGeom prst="rect">
+            <a:avLst/>
+          </a:prstGeom>
+          <a:noFill/>
+        </p:spPr>
+        <p:txBody>
+          <a:bodyPr wrap="square" anchor="t">
+            <a:spAutoFit/>
+          </a:bodyPr>
+          <a:lstStyle/>
+          <a:p>
+            <a:pPr algn="l">
+              <a:defRPr sz="850" b="1">
+                <a:solidFill>
+                  <a:srgbClr val="1E293B"/>
+                </a:solidFill>
+                <a:latin typeface="IPAPGothic"/>
+                <a:ea typeface="IPAPGothic"/>
+              </a:defRPr>
+            </a:pPr>
+            <a:r>
+              <a:rPr sz="850" b="1">
+                <a:solidFill>
+                  <a:srgbClr val="1E293B"/>
+                </a:solidFill>
+                <a:latin typeface="IPAPGothic"/>
+              </a:rPr>
+              <a:t>5名</a:t>
+            </a:r>
+          </a:p>
+        </p:txBody>
+      </p:sp>
+      <p:sp>
+        <p:nvSpPr>
+          <p:cNvPr id="23" name="TextBox 22"/>
+          <p:cNvSpPr txBox="1"/>
+          <p:nvPr/>
+        </p:nvSpPr>
+        <p:spPr>
+          <a:xfrm>
+            <a:off x="2926080" y="4315968"/>
+            <a:ext cx="1828800" cy="164592"/>
+          </a:xfrm>
+          <a:prstGeom prst="rect">
+            <a:avLst/>
+          </a:prstGeom>
+          <a:noFill/>
+        </p:spPr>
+        <p:txBody>
+          <a:bodyPr wrap="square" anchor="t">
+            <a:spAutoFit/>
+          </a:bodyPr>
+          <a:lstStyle/>
+          <a:p>
+            <a:pPr algn="l">
+              <a:defRPr sz="850" b="0">
+                <a:solidFill>
+                  <a:srgbClr val="1E293B"/>
+                </a:solidFill>
+                <a:latin typeface="IPAPGothic"/>
+                <a:ea typeface="IPAPGothic"/>
+              </a:defRPr>
+            </a:pPr>
+            <a:r>
+              <a:rPr sz="850" b="0">
+                <a:solidFill>
+                  <a:srgbClr val="1E293B"/>
+                </a:solidFill>
+                <a:latin typeface="IPAPGothic"/>
+              </a:rPr>
+              <a:t>¥550,000〜</a:t>
+            </a:r>
+          </a:p>
+        </p:txBody>
+      </p:sp>
+      <p:sp>
+        <p:nvSpPr>
+          <p:cNvPr id="24" name="TextBox 23"/>
+          <p:cNvSpPr txBox="1"/>
+          <p:nvPr/>
+        </p:nvSpPr>
+        <p:spPr>
+          <a:xfrm>
+            <a:off x="5029200" y="4315968"/>
+            <a:ext cx="2286000" cy="164592"/>
+          </a:xfrm>
+          <a:prstGeom prst="rect">
+            <a:avLst/>
+          </a:prstGeom>
+          <a:noFill/>
+        </p:spPr>
+        <p:txBody>
+          <a:bodyPr wrap="square" anchor="t">
+            <a:spAutoFit/>
+          </a:bodyPr>
+          <a:lstStyle/>
+          <a:p>
+            <a:pPr algn="l">
+              <a:defRPr sz="850" b="0">
+                <a:solidFill>
+                  <a:srgbClr val="94A3B8"/>
+                </a:solidFill>
+                <a:latin typeface="IPAPGothic"/>
+                <a:ea typeface="IPAPGothic"/>
+              </a:defRPr>
+            </a:pPr>
+            <a:r>
+              <a:rPr sz="850" b="0">
+                <a:solidFill>
+                  <a:srgbClr val="94A3B8"/>
+                </a:solidFill>
+                <a:latin typeface="IPAPGothic"/>
+              </a:rPr>
+              <a:t>¥110,000/人相当</a:t>
+            </a:r>
+          </a:p>
+        </p:txBody>
+      </p:sp>
+      <p:sp>
+        <p:nvSpPr>
+          <p:cNvPr id="25" name="TextBox 24"/>
+          <p:cNvSpPr txBox="1"/>
+          <p:nvPr/>
+        </p:nvSpPr>
+        <p:spPr>
+          <a:xfrm>
+            <a:off x="1828800" y="4480559"/>
+            <a:ext cx="1097280" cy="164592"/>
+          </a:xfrm>
+          <a:prstGeom prst="rect">
+            <a:avLst/>
+          </a:prstGeom>
+          <a:noFill/>
+        </p:spPr>
+        <p:txBody>
+          <a:bodyPr wrap="square" anchor="t">
+            <a:spAutoFit/>
+          </a:bodyPr>
+          <a:lstStyle/>
+          <a:p>
+            <a:pPr algn="l">
+              <a:defRPr sz="850" b="1">
+                <a:solidFill>
+                  <a:srgbClr val="1E293B"/>
+                </a:solidFill>
+                <a:latin typeface="IPAPGothic"/>
+                <a:ea typeface="IPAPGothic"/>
+              </a:defRPr>
+            </a:pPr>
+            <a:r>
+              <a:rPr sz="850" b="1">
+                <a:solidFill>
+                  <a:srgbClr val="1E293B"/>
+                </a:solidFill>
+                <a:latin typeface="IPAPGothic"/>
+              </a:rPr>
+              <a:t>10名</a:t>
+            </a:r>
+          </a:p>
+        </p:txBody>
+      </p:sp>
+      <p:sp>
+        <p:nvSpPr>
+          <p:cNvPr id="26" name="TextBox 25"/>
+          <p:cNvSpPr txBox="1"/>
+          <p:nvPr/>
+        </p:nvSpPr>
+        <p:spPr>
+          <a:xfrm>
+            <a:off x="2926080" y="4480559"/>
+            <a:ext cx="1828800" cy="164592"/>
+          </a:xfrm>
+          <a:prstGeom prst="rect">
+            <a:avLst/>
+          </a:prstGeom>
+          <a:noFill/>
+        </p:spPr>
+        <p:txBody>
+          <a:bodyPr wrap="square" anchor="t">
+            <a:spAutoFit/>
+          </a:bodyPr>
+          <a:lstStyle/>
+          <a:p>
+            <a:pPr algn="l">
+              <a:defRPr sz="850" b="0">
+                <a:solidFill>
+                  <a:srgbClr val="1E293B"/>
+                </a:solidFill>
+                <a:latin typeface="IPAPGothic"/>
+                <a:ea typeface="IPAPGothic"/>
+              </a:defRPr>
+            </a:pPr>
+            <a:r>
+              <a:rPr sz="850" b="0">
+                <a:solidFill>
+                  <a:srgbClr val="1E293B"/>
+                </a:solidFill>
+                <a:latin typeface="IPAPGothic"/>
+              </a:rPr>
+              <a:t>¥900,000〜</a:t>
+            </a:r>
+          </a:p>
+        </p:txBody>
+      </p:sp>
+      <p:sp>
+        <p:nvSpPr>
+          <p:cNvPr id="27" name="TextBox 26"/>
+          <p:cNvSpPr txBox="1"/>
+          <p:nvPr/>
+        </p:nvSpPr>
+        <p:spPr>
+          <a:xfrm>
+            <a:off x="5029200" y="4480559"/>
+            <a:ext cx="2286000" cy="164592"/>
+          </a:xfrm>
+          <a:prstGeom prst="rect">
+            <a:avLst/>
+          </a:prstGeom>
+          <a:noFill/>
+        </p:spPr>
+        <p:txBody>
+          <a:bodyPr wrap="square" anchor="t">
+            <a:spAutoFit/>
+          </a:bodyPr>
+          <a:lstStyle/>
+          <a:p>
+            <a:pPr algn="l">
+              <a:defRPr sz="850" b="0">
+                <a:solidFill>
+                  <a:srgbClr val="94A3B8"/>
+                </a:solidFill>
+                <a:latin typeface="IPAPGothic"/>
+                <a:ea typeface="IPAPGothic"/>
+              </a:defRPr>
+            </a:pPr>
+            <a:r>
+              <a:rPr sz="850" b="0">
+                <a:solidFill>
+                  <a:srgbClr val="94A3B8"/>
+                </a:solidFill>
+                <a:latin typeface="IPAPGothic"/>
+              </a:rPr>
+              <a:t>¥90,000/人相当</a:t>
+            </a:r>
+          </a:p>
+        </p:txBody>
+      </p:sp>
+      <p:sp>
+        <p:nvSpPr>
+          <p:cNvPr id="28" name="TextBox 27"/>
+          <p:cNvSpPr txBox="1"/>
+          <p:nvPr/>
+        </p:nvSpPr>
+        <p:spPr>
+          <a:xfrm>
+            <a:off x="1828800" y="4645152"/>
+            <a:ext cx="1097280" cy="164592"/>
+          </a:xfrm>
+          <a:prstGeom prst="rect">
+            <a:avLst/>
+          </a:prstGeom>
+          <a:noFill/>
+        </p:spPr>
+        <p:txBody>
+          <a:bodyPr wrap="square" anchor="t">
+            <a:spAutoFit/>
+          </a:bodyPr>
+          <a:lstStyle/>
+          <a:p>
+            <a:pPr algn="l">
+              <a:defRPr sz="850" b="1">
+                <a:solidFill>
+                  <a:srgbClr val="1E293B"/>
+                </a:solidFill>
+                <a:latin typeface="IPAPGothic"/>
+                <a:ea typeface="IPAPGothic"/>
+              </a:defRPr>
+            </a:pPr>
+            <a:r>
+              <a:rPr sz="850" b="1">
+                <a:solidFill>
+                  <a:srgbClr val="1E293B"/>
+                </a:solidFill>
+                <a:latin typeface="IPAPGothic"/>
+              </a:rPr>
+              <a:t>20名</a:t>
+            </a:r>
+          </a:p>
+        </p:txBody>
+      </p:sp>
+      <p:sp>
+        <p:nvSpPr>
+          <p:cNvPr id="29" name="TextBox 28"/>
+          <p:cNvSpPr txBox="1"/>
+          <p:nvPr/>
+        </p:nvSpPr>
+        <p:spPr>
+          <a:xfrm>
+            <a:off x="2926080" y="4645152"/>
+            <a:ext cx="1828800" cy="164592"/>
+          </a:xfrm>
+          <a:prstGeom prst="rect">
+            <a:avLst/>
+          </a:prstGeom>
+          <a:noFill/>
+        </p:spPr>
+        <p:txBody>
+          <a:bodyPr wrap="square" anchor="t">
+            <a:spAutoFit/>
+          </a:bodyPr>
+          <a:lstStyle/>
+          <a:p>
+            <a:pPr algn="l">
+              <a:defRPr sz="850" b="0">
+                <a:solidFill>
+                  <a:srgbClr val="1E293B"/>
+                </a:solidFill>
+                <a:latin typeface="IPAPGothic"/>
+                <a:ea typeface="IPAPGothic"/>
+              </a:defRPr>
+            </a:pPr>
+            <a:r>
+              <a:rPr sz="850" b="0">
+                <a:solidFill>
+                  <a:srgbClr val="1E293B"/>
+                </a:solidFill>
+                <a:latin typeface="IPAPGothic"/>
+              </a:rPr>
+              <a:t>¥1,500,000〜</a:t>
+            </a:r>
+          </a:p>
+        </p:txBody>
+      </p:sp>
+      <p:sp>
+        <p:nvSpPr>
+          <p:cNvPr id="30" name="TextBox 29"/>
+          <p:cNvSpPr txBox="1"/>
+          <p:nvPr/>
+        </p:nvSpPr>
+        <p:spPr>
+          <a:xfrm>
+            <a:off x="5029200" y="4645152"/>
+            <a:ext cx="2286000" cy="164592"/>
+          </a:xfrm>
+          <a:prstGeom prst="rect">
+            <a:avLst/>
+          </a:prstGeom>
+          <a:noFill/>
+        </p:spPr>
+        <p:txBody>
+          <a:bodyPr wrap="square" anchor="t">
+            <a:spAutoFit/>
+          </a:bodyPr>
+          <a:lstStyle/>
+          <a:p>
+            <a:pPr algn="l">
+              <a:defRPr sz="850" b="0">
+                <a:solidFill>
+                  <a:srgbClr val="94A3B8"/>
+                </a:solidFill>
+                <a:latin typeface="IPAPGothic"/>
+                <a:ea typeface="IPAPGothic"/>
+              </a:defRPr>
+            </a:pPr>
+            <a:r>
+              <a:rPr sz="850" b="0">
+                <a:solidFill>
+                  <a:srgbClr val="94A3B8"/>
+                </a:solidFill>
+                <a:latin typeface="IPAPGothic"/>
+              </a:rPr>
+              <a:t>¥75,000/人相当</a:t>
+            </a:r>
+          </a:p>
+        </p:txBody>
+      </p:sp>
+      <p:sp>
+        <p:nvSpPr>
+          <p:cNvPr id="31" name="TextBox 30"/>
+          <p:cNvSpPr txBox="1"/>
+          <p:nvPr/>
+        </p:nvSpPr>
+        <p:spPr>
+          <a:xfrm>
+            <a:off x="1828800" y="4809744"/>
+            <a:ext cx="1097280" cy="164592"/>
+          </a:xfrm>
+          <a:prstGeom prst="rect">
+            <a:avLst/>
+          </a:prstGeom>
+          <a:noFill/>
+        </p:spPr>
+        <p:txBody>
+          <a:bodyPr wrap="square" anchor="t">
+            <a:spAutoFit/>
+          </a:bodyPr>
+          <a:lstStyle/>
+          <a:p>
+            <a:pPr algn="l">
+              <a:defRPr sz="850" b="1">
+                <a:solidFill>
+                  <a:srgbClr val="1E293B"/>
+                </a:solidFill>
+                <a:latin typeface="IPAPGothic"/>
+                <a:ea typeface="IPAPGothic"/>
+              </a:defRPr>
+            </a:pPr>
+            <a:r>
+              <a:rPr sz="850" b="1">
+                <a:solidFill>
+                  <a:srgbClr val="1E293B"/>
+                </a:solidFill>
+                <a:latin typeface="IPAPGothic"/>
+              </a:rPr>
+              <a:t>50名〜</a:t>
+            </a:r>
+          </a:p>
+        </p:txBody>
+      </p:sp>
+      <p:sp>
+        <p:nvSpPr>
+          <p:cNvPr id="32" name="TextBox 31"/>
+          <p:cNvSpPr txBox="1"/>
+          <p:nvPr/>
+        </p:nvSpPr>
+        <p:spPr>
+          <a:xfrm>
+            <a:off x="2926080" y="4809744"/>
+            <a:ext cx="1828800" cy="164592"/>
+          </a:xfrm>
+          <a:prstGeom prst="rect">
+            <a:avLst/>
+          </a:prstGeom>
+          <a:noFill/>
+        </p:spPr>
+        <p:txBody>
+          <a:bodyPr wrap="square" anchor="t">
+            <a:spAutoFit/>
+          </a:bodyPr>
+          <a:lstStyle/>
+          <a:p>
+            <a:pPr algn="l">
+              <a:defRPr sz="850" b="0">
+                <a:solidFill>
+                  <a:srgbClr val="1E293B"/>
+                </a:solidFill>
+                <a:latin typeface="IPAPGothic"/>
+                <a:ea typeface="IPAPGothic"/>
+              </a:defRPr>
+            </a:pPr>
+            <a:r>
+              <a:rPr sz="850" b="0">
+                <a:solidFill>
+                  <a:srgbClr val="1E293B"/>
+                </a:solidFill>
+                <a:latin typeface="IPAPGothic"/>
+              </a:rPr>
+              <a:t>お問い合わせ</a:t>
+            </a:r>
+          </a:p>
+        </p:txBody>
+      </p:sp>
+      <p:sp>
+        <p:nvSpPr>
+          <p:cNvPr id="33" name="TextBox 32"/>
+          <p:cNvSpPr txBox="1"/>
+          <p:nvPr/>
+        </p:nvSpPr>
+        <p:spPr>
+          <a:xfrm>
+            <a:off x="5029200" y="4809744"/>
+            <a:ext cx="2286000" cy="164592"/>
+          </a:xfrm>
+          <a:prstGeom prst="rect">
+            <a:avLst/>
+          </a:prstGeom>
+          <a:noFill/>
+        </p:spPr>
+        <p:txBody>
+          <a:bodyPr wrap="square" anchor="t">
+            <a:spAutoFit/>
+          </a:bodyPr>
+          <a:lstStyle/>
+          <a:p>
+            <a:pPr algn="l">
+              <a:defRPr sz="850" b="0">
+                <a:solidFill>
+                  <a:srgbClr val="94A3B8"/>
+                </a:solidFill>
+                <a:latin typeface="IPAPGothic"/>
+                <a:ea typeface="IPAPGothic"/>
+              </a:defRPr>
+            </a:pPr>
+            <a:r>
+              <a:rPr sz="850" b="0">
+                <a:solidFill>
+                  <a:srgbClr val="94A3B8"/>
+                </a:solidFill>
+                <a:latin typeface="IPAPGothic"/>
+              </a:rPr>
+              <a:t>特別価格をご提案</a:t>
             </a:r>
           </a:p>
         </p:txBody>
@@ -11206,7 +16229,7 @@
               </a:defRPr>
             </a:pPr>
             <a:r>
-              <a:t>9</a:t>
+              <a:t>15</a:t>
             </a:r>
           </a:p>
         </p:txBody>
